--- a/DLR/KDahlby.201004.TCCC.DLR.pptx
+++ b/DLR/KDahlby.201004.TCCC.DLR.pptx
@@ -6,7 +6,7 @@
     <p:sldMasterId id="2147483670" r:id="rId2"/>
   </p:sldMasterIdLst>
   <p:notesMasterIdLst>
-    <p:notesMasterId r:id="rId34"/>
+    <p:notesMasterId r:id="rId33"/>
   </p:notesMasterIdLst>
   <p:sldIdLst>
     <p:sldId id="256" r:id="rId3"/>
@@ -20,26 +20,25 @@
     <p:sldId id="326" r:id="rId11"/>
     <p:sldId id="322" r:id="rId12"/>
     <p:sldId id="323" r:id="rId13"/>
-    <p:sldId id="324" r:id="rId14"/>
-    <p:sldId id="325" r:id="rId15"/>
-    <p:sldId id="327" r:id="rId16"/>
-    <p:sldId id="329" r:id="rId17"/>
-    <p:sldId id="331" r:id="rId18"/>
-    <p:sldId id="334" r:id="rId19"/>
-    <p:sldId id="332" r:id="rId20"/>
-    <p:sldId id="330" r:id="rId21"/>
-    <p:sldId id="336" r:id="rId22"/>
-    <p:sldId id="337" r:id="rId23"/>
-    <p:sldId id="338" r:id="rId24"/>
-    <p:sldId id="339" r:id="rId25"/>
-    <p:sldId id="340" r:id="rId26"/>
-    <p:sldId id="341" r:id="rId27"/>
-    <p:sldId id="333" r:id="rId28"/>
-    <p:sldId id="342" r:id="rId29"/>
-    <p:sldId id="343" r:id="rId30"/>
-    <p:sldId id="344" r:id="rId31"/>
-    <p:sldId id="345" r:id="rId32"/>
-    <p:sldId id="309" r:id="rId33"/>
+    <p:sldId id="325" r:id="rId14"/>
+    <p:sldId id="327" r:id="rId15"/>
+    <p:sldId id="329" r:id="rId16"/>
+    <p:sldId id="331" r:id="rId17"/>
+    <p:sldId id="334" r:id="rId18"/>
+    <p:sldId id="332" r:id="rId19"/>
+    <p:sldId id="330" r:id="rId20"/>
+    <p:sldId id="336" r:id="rId21"/>
+    <p:sldId id="337" r:id="rId22"/>
+    <p:sldId id="338" r:id="rId23"/>
+    <p:sldId id="339" r:id="rId24"/>
+    <p:sldId id="340" r:id="rId25"/>
+    <p:sldId id="341" r:id="rId26"/>
+    <p:sldId id="333" r:id="rId27"/>
+    <p:sldId id="342" r:id="rId28"/>
+    <p:sldId id="343" r:id="rId29"/>
+    <p:sldId id="344" r:id="rId30"/>
+    <p:sldId id="345" r:id="rId31"/>
+    <p:sldId id="309" r:id="rId32"/>
   </p:sldIdLst>
   <p:sldSz cx="9144000" cy="6858000" type="screen4x3"/>
   <p:notesSz cx="6858000" cy="9144000"/>
@@ -3017,7 +3016,7 @@
               <a:spcAft>
                 <a:spcPts val="0"/>
               </a:spcAft>
-              <a:defRPr sz="1200" dirty="0">
+              <a:defRPr sz="1200">
                 <a:latin typeface="+mn-lt"/>
               </a:defRPr>
             </a:lvl1pPr>
@@ -3059,7 +3058,7 @@
               <a:spcAft>
                 <a:spcPts val="0"/>
               </a:spcAft>
-              <a:defRPr sz="1200" smtClean="0">
+              <a:defRPr sz="1200">
                 <a:latin typeface="+mn-lt"/>
               </a:defRPr>
             </a:lvl1pPr>
@@ -3068,12 +3067,12 @@
             <a:pPr>
               <a:defRPr/>
             </a:pPr>
-            <a:fld id="{BBBA1610-443D-4E09-8478-F04C25BE2810}" type="datetimeFigureOut">
+            <a:fld id="{F5C9DBEA-27E3-4988-B63D-675B60AF1F65}" type="datetimeFigureOut">
               <a:rPr lang="en-US"/>
               <a:pPr>
                 <a:defRPr/>
               </a:pPr>
-              <a:t>4/9/2010</a:t>
+              <a:t>4/11/2010</a:t>
             </a:fld>
             <a:endParaRPr lang="en-US" dirty="0"/>
           </a:p>
@@ -3204,7 +3203,7 @@
               <a:spcAft>
                 <a:spcPts val="0"/>
               </a:spcAft>
-              <a:defRPr sz="1200" dirty="0">
+              <a:defRPr sz="1200">
                 <a:latin typeface="+mn-lt"/>
               </a:defRPr>
             </a:lvl1pPr>
@@ -3246,7 +3245,7 @@
               <a:spcAft>
                 <a:spcPts val="0"/>
               </a:spcAft>
-              <a:defRPr sz="1200" smtClean="0">
+              <a:defRPr sz="1200">
                 <a:latin typeface="+mn-lt"/>
               </a:defRPr>
             </a:lvl1pPr>
@@ -3255,7 +3254,7 @@
             <a:pPr>
               <a:defRPr/>
             </a:pPr>
-            <a:fld id="{E2C4113B-3498-4B75-92B5-517E1C7D07BE}" type="slidenum">
+            <a:fld id="{ACCE400A-2B5A-4CE5-AB41-8D7F425A243F}" type="slidenum">
               <a:rPr lang="en-US"/>
               <a:pPr>
                 <a:defRPr/>
@@ -3270,7 +3269,7 @@
   </p:cSld>
   <p:clrMap bg1="lt1" tx1="dk1" bg2="lt2" tx2="dk2" accent1="accent1" accent2="accent2" accent3="accent3" accent4="accent4" accent5="accent5" accent6="accent6" hlink="hlink" folHlink="folHlink"/>
   <p:notesStyle>
-    <a:lvl1pPr algn="l" rtl="0" fontAlgn="base">
+    <a:lvl1pPr algn="l" rtl="0" eaLnBrk="0" fontAlgn="base" hangingPunct="0">
       <a:spcBef>
         <a:spcPct val="30000"/>
       </a:spcBef>
@@ -3286,7 +3285,7 @@
         <a:cs typeface="+mn-cs"/>
       </a:defRPr>
     </a:lvl1pPr>
-    <a:lvl2pPr marL="457200" algn="l" rtl="0" fontAlgn="base">
+    <a:lvl2pPr marL="457200" algn="l" rtl="0" eaLnBrk="0" fontAlgn="base" hangingPunct="0">
       <a:spcBef>
         <a:spcPct val="30000"/>
       </a:spcBef>
@@ -3302,7 +3301,7 @@
         <a:cs typeface="+mn-cs"/>
       </a:defRPr>
     </a:lvl2pPr>
-    <a:lvl3pPr marL="914400" algn="l" rtl="0" fontAlgn="base">
+    <a:lvl3pPr marL="914400" algn="l" rtl="0" eaLnBrk="0" fontAlgn="base" hangingPunct="0">
       <a:spcBef>
         <a:spcPct val="30000"/>
       </a:spcBef>
@@ -3318,7 +3317,7 @@
         <a:cs typeface="+mn-cs"/>
       </a:defRPr>
     </a:lvl3pPr>
-    <a:lvl4pPr marL="1371600" algn="l" rtl="0" fontAlgn="base">
+    <a:lvl4pPr marL="1371600" algn="l" rtl="0" eaLnBrk="0" fontAlgn="base" hangingPunct="0">
       <a:spcBef>
         <a:spcPct val="30000"/>
       </a:spcBef>
@@ -3334,7 +3333,7 @@
         <a:cs typeface="+mn-cs"/>
       </a:defRPr>
     </a:lvl4pPr>
-    <a:lvl5pPr marL="1828800" algn="l" rtl="0" fontAlgn="base">
+    <a:lvl5pPr marL="1828800" algn="l" rtl="0" eaLnBrk="0" fontAlgn="base" hangingPunct="0">
       <a:spcBef>
         <a:spcPct val="30000"/>
       </a:spcBef>
@@ -3454,7 +3453,7 @@
           </a:bodyPr>
           <a:lstStyle/>
           <a:p>
-            <a:pPr>
+            <a:pPr eaLnBrk="1" hangingPunct="1">
               <a:spcBef>
                 <a:spcPct val="0"/>
               </a:spcBef>
@@ -3474,7 +3473,6 @@
           </p:nvPr>
         </p:nvSpPr>
         <p:spPr bwMode="auto">
-          <a:noFill/>
           <a:ln>
             <a:miter lim="800000"/>
             <a:headEnd/>
@@ -3496,8 +3494,9 @@
               <a:spcAft>
                 <a:spcPct val="0"/>
               </a:spcAft>
+              <a:defRPr/>
             </a:pPr>
-            <a:fld id="{70CADB0A-C6B7-43DB-9F9D-F16BABF962E7}" type="slidenum">
+            <a:fld id="{05E53B92-14C8-4217-BB07-688B7CC76C7F}" type="slidenum">
               <a:rPr lang="en-US"/>
               <a:pPr fontAlgn="base">
                 <a:spcBef>
@@ -3506,6 +3505,7 @@
                 <a:spcAft>
                   <a:spcPct val="0"/>
                 </a:spcAft>
+                <a:defRPr/>
               </a:pPr>
               <a:t>1</a:t>
             </a:fld>
@@ -3522,133 +3522,6 @@
 </file>
 
 <file path=ppt/notesSlides/notesSlide10.xml><?xml version="1.0" encoding="utf-8"?>
-<p:notes xmlns:a="http://schemas.openxmlformats.org/drawingml/2006/main" xmlns:r="http://schemas.openxmlformats.org/officeDocument/2006/relationships" xmlns:p="http://schemas.openxmlformats.org/presentationml/2006/main">
-  <p:cSld>
-    <p:spTree>
-      <p:nvGrpSpPr>
-        <p:cNvPr id="1" name=""/>
-        <p:cNvGrpSpPr/>
-        <p:nvPr/>
-      </p:nvGrpSpPr>
-      <p:grpSpPr>
-        <a:xfrm>
-          <a:off x="0" y="0"/>
-          <a:ext cx="0" cy="0"/>
-          <a:chOff x="0" y="0"/>
-          <a:chExt cx="0" cy="0"/>
-        </a:xfrm>
-      </p:grpSpPr>
-      <p:sp>
-        <p:nvSpPr>
-          <p:cNvPr id="48129" name="Slide Image Placeholder 1"/>
-          <p:cNvSpPr>
-            <a:spLocks noGrp="1" noRot="1" noChangeAspect="1"/>
-          </p:cNvSpPr>
-          <p:nvPr>
-            <p:ph type="sldImg"/>
-          </p:nvPr>
-        </p:nvSpPr>
-        <p:spPr bwMode="auto">
-          <a:noFill/>
-          <a:ln>
-            <a:solidFill>
-              <a:srgbClr val="000000"/>
-            </a:solidFill>
-            <a:miter lim="800000"/>
-            <a:headEnd/>
-            <a:tailEnd/>
-          </a:ln>
-        </p:spPr>
-      </p:sp>
-      <p:sp>
-        <p:nvSpPr>
-          <p:cNvPr id="48130" name="Notes Placeholder 2"/>
-          <p:cNvSpPr>
-            <a:spLocks noGrp="1"/>
-          </p:cNvSpPr>
-          <p:nvPr>
-            <p:ph type="body" idx="1"/>
-          </p:nvPr>
-        </p:nvSpPr>
-        <p:spPr bwMode="auto">
-          <a:noFill/>
-        </p:spPr>
-        <p:txBody>
-          <a:bodyPr wrap="square" numCol="1" anchor="t" anchorCtr="0" compatLnSpc="1">
-            <a:prstTxWarp prst="textNoShape">
-              <a:avLst/>
-            </a:prstTxWarp>
-          </a:bodyPr>
-          <a:lstStyle/>
-          <a:p>
-            <a:pPr>
-              <a:spcBef>
-                <a:spcPct val="0"/>
-              </a:spcBef>
-            </a:pPr>
-            <a:endParaRPr lang="en-US" smtClean="0"/>
-          </a:p>
-        </p:txBody>
-      </p:sp>
-      <p:sp>
-        <p:nvSpPr>
-          <p:cNvPr id="48131" name="Slide Number Placeholder 3"/>
-          <p:cNvSpPr>
-            <a:spLocks noGrp="1"/>
-          </p:cNvSpPr>
-          <p:nvPr>
-            <p:ph type="sldNum" sz="quarter" idx="5"/>
-          </p:nvPr>
-        </p:nvSpPr>
-        <p:spPr bwMode="auto">
-          <a:noFill/>
-          <a:ln>
-            <a:miter lim="800000"/>
-            <a:headEnd/>
-            <a:tailEnd/>
-          </a:ln>
-        </p:spPr>
-        <p:txBody>
-          <a:bodyPr wrap="square" numCol="1" anchorCtr="0" compatLnSpc="1">
-            <a:prstTxWarp prst="textNoShape">
-              <a:avLst/>
-            </a:prstTxWarp>
-          </a:bodyPr>
-          <a:lstStyle/>
-          <a:p>
-            <a:pPr fontAlgn="base">
-              <a:spcBef>
-                <a:spcPct val="0"/>
-              </a:spcBef>
-              <a:spcAft>
-                <a:spcPct val="0"/>
-              </a:spcAft>
-            </a:pPr>
-            <a:fld id="{718BB114-F8E1-4C74-9669-ADF20C1EC4AC}" type="slidenum">
-              <a:rPr lang="en-US"/>
-              <a:pPr fontAlgn="base">
-                <a:spcBef>
-                  <a:spcPct val="0"/>
-                </a:spcBef>
-                <a:spcAft>
-                  <a:spcPct val="0"/>
-                </a:spcAft>
-              </a:pPr>
-              <a:t>12</a:t>
-            </a:fld>
-            <a:endParaRPr lang="en-US"/>
-          </a:p>
-        </p:txBody>
-      </p:sp>
-    </p:spTree>
-  </p:cSld>
-  <p:clrMapOvr>
-    <a:masterClrMapping/>
-  </p:clrMapOvr>
-</p:notes>
-</file>
-
-<file path=ppt/notesSlides/notesSlide11.xml><?xml version="1.0" encoding="utf-8"?>
 <p:notes xmlns:a="http://schemas.openxmlformats.org/drawingml/2006/main" xmlns:r="http://schemas.openxmlformats.org/officeDocument/2006/relationships" xmlns:p="http://schemas.openxmlformats.org/presentationml/2006/main">
   <p:cSld>
     <p:spTree>
@@ -3708,7 +3581,7 @@
           </a:bodyPr>
           <a:lstStyle/>
           <a:p>
-            <a:pPr>
+            <a:pPr eaLnBrk="1" hangingPunct="1">
               <a:spcBef>
                 <a:spcPct val="0"/>
               </a:spcBef>
@@ -3728,7 +3601,6 @@
           </p:nvPr>
         </p:nvSpPr>
         <p:spPr bwMode="auto">
-          <a:noFill/>
           <a:ln>
             <a:miter lim="800000"/>
             <a:headEnd/>
@@ -3750,8 +3622,9 @@
               <a:spcAft>
                 <a:spcPct val="0"/>
               </a:spcAft>
+              <a:defRPr/>
             </a:pPr>
-            <a:fld id="{886B8293-6F67-42C3-98AF-9BB322A0CF0A}" type="slidenum">
+            <a:fld id="{CEF6C89B-D5FD-4F53-8B6E-9E812F3C6D48}" type="slidenum">
               <a:rPr lang="en-US"/>
               <a:pPr fontAlgn="base">
                 <a:spcBef>
@@ -3760,8 +3633,9 @@
                 <a:spcAft>
                   <a:spcPct val="0"/>
                 </a:spcAft>
+                <a:defRPr/>
               </a:pPr>
-              <a:t>13</a:t>
+              <a:t>12</a:t>
             </a:fld>
             <a:endParaRPr lang="en-US"/>
           </a:p>
@@ -3775,7 +3649,7 @@
 </p:notes>
 </file>
 
-<file path=ppt/notesSlides/notesSlide12.xml><?xml version="1.0" encoding="utf-8"?>
+<file path=ppt/notesSlides/notesSlide11.xml><?xml version="1.0" encoding="utf-8"?>
 <p:notes xmlns:a="http://schemas.openxmlformats.org/drawingml/2006/main" xmlns:r="http://schemas.openxmlformats.org/officeDocument/2006/relationships" xmlns:p="http://schemas.openxmlformats.org/presentationml/2006/main">
   <p:cSld>
     <p:spTree>
@@ -3835,7 +3709,7 @@
           </a:bodyPr>
           <a:lstStyle/>
           <a:p>
-            <a:pPr>
+            <a:pPr eaLnBrk="1" hangingPunct="1">
               <a:spcBef>
                 <a:spcPct val="0"/>
               </a:spcBef>
@@ -3855,7 +3729,6 @@
           </p:nvPr>
         </p:nvSpPr>
         <p:spPr bwMode="auto">
-          <a:noFill/>
           <a:ln>
             <a:miter lim="800000"/>
             <a:headEnd/>
@@ -3877,8 +3750,9 @@
               <a:spcAft>
                 <a:spcPct val="0"/>
               </a:spcAft>
+              <a:defRPr/>
             </a:pPr>
-            <a:fld id="{8A7FA5DF-2F43-4279-ABEA-1EFCFC68D0C6}" type="slidenum">
+            <a:fld id="{C24BB7B0-E658-43F0-81FD-7431FA228781}" type="slidenum">
               <a:rPr lang="en-US"/>
               <a:pPr fontAlgn="base">
                 <a:spcBef>
@@ -3887,8 +3761,9 @@
                 <a:spcAft>
                   <a:spcPct val="0"/>
                 </a:spcAft>
+                <a:defRPr/>
               </a:pPr>
-              <a:t>17</a:t>
+              <a:t>16</a:t>
             </a:fld>
             <a:endParaRPr lang="en-US"/>
           </a:p>
@@ -3902,7 +3777,7 @@
 </p:notes>
 </file>
 
-<file path=ppt/notesSlides/notesSlide13.xml><?xml version="1.0" encoding="utf-8"?>
+<file path=ppt/notesSlides/notesSlide12.xml><?xml version="1.0" encoding="utf-8"?>
 <p:notes xmlns:a="http://schemas.openxmlformats.org/drawingml/2006/main" xmlns:r="http://schemas.openxmlformats.org/officeDocument/2006/relationships" xmlns:p="http://schemas.openxmlformats.org/presentationml/2006/main">
   <p:cSld>
     <p:spTree>
@@ -3962,7 +3837,7 @@
           </a:bodyPr>
           <a:lstStyle/>
           <a:p>
-            <a:pPr>
+            <a:pPr eaLnBrk="1" hangingPunct="1">
               <a:spcBef>
                 <a:spcPct val="0"/>
               </a:spcBef>
@@ -3982,7 +3857,6 @@
           </p:nvPr>
         </p:nvSpPr>
         <p:spPr bwMode="auto">
-          <a:noFill/>
           <a:ln>
             <a:miter lim="800000"/>
             <a:headEnd/>
@@ -4004,8 +3878,9 @@
               <a:spcAft>
                 <a:spcPct val="0"/>
               </a:spcAft>
+              <a:defRPr/>
             </a:pPr>
-            <a:fld id="{352342C2-3AD9-4412-819E-5AB25A813376}" type="slidenum">
+            <a:fld id="{202F09D8-E83C-4403-837D-E66217C32816}" type="slidenum">
               <a:rPr lang="en-US"/>
               <a:pPr fontAlgn="base">
                 <a:spcBef>
@@ -4014,8 +3889,9 @@
                 <a:spcAft>
                   <a:spcPct val="0"/>
                 </a:spcAft>
+                <a:defRPr/>
               </a:pPr>
-              <a:t>19</a:t>
+              <a:t>18</a:t>
             </a:fld>
             <a:endParaRPr lang="en-US"/>
           </a:p>
@@ -4029,7 +3905,7 @@
 </p:notes>
 </file>
 
-<file path=ppt/notesSlides/notesSlide14.xml><?xml version="1.0" encoding="utf-8"?>
+<file path=ppt/notesSlides/notesSlide13.xml><?xml version="1.0" encoding="utf-8"?>
 <p:notes xmlns:a="http://schemas.openxmlformats.org/drawingml/2006/main" xmlns:r="http://schemas.openxmlformats.org/officeDocument/2006/relationships" xmlns:p="http://schemas.openxmlformats.org/presentationml/2006/main">
   <p:cSld>
     <p:spTree>
@@ -4089,7 +3965,7 @@
           </a:bodyPr>
           <a:lstStyle/>
           <a:p>
-            <a:pPr>
+            <a:pPr eaLnBrk="1" hangingPunct="1">
               <a:spcBef>
                 <a:spcPct val="0"/>
               </a:spcBef>
@@ -4109,7 +3985,6 @@
           </p:nvPr>
         </p:nvSpPr>
         <p:spPr bwMode="auto">
-          <a:noFill/>
           <a:ln>
             <a:miter lim="800000"/>
             <a:headEnd/>
@@ -4131,8 +4006,9 @@
               <a:spcAft>
                 <a:spcPct val="0"/>
               </a:spcAft>
+              <a:defRPr/>
             </a:pPr>
-            <a:fld id="{BCBF2A9C-64B6-4209-B734-8C1D85BCF2F8}" type="slidenum">
+            <a:fld id="{81C7F9D4-DE56-4CDF-98AA-538D38A8287A}" type="slidenum">
               <a:rPr lang="en-US"/>
               <a:pPr fontAlgn="base">
                 <a:spcBef>
@@ -4141,8 +4017,9 @@
                 <a:spcAft>
                   <a:spcPct val="0"/>
                 </a:spcAft>
+                <a:defRPr/>
               </a:pPr>
-              <a:t>20</a:t>
+              <a:t>19</a:t>
             </a:fld>
             <a:endParaRPr lang="en-US"/>
           </a:p>
@@ -4156,7 +4033,7 @@
 </p:notes>
 </file>
 
-<file path=ppt/notesSlides/notesSlide15.xml><?xml version="1.0" encoding="utf-8"?>
+<file path=ppt/notesSlides/notesSlide14.xml><?xml version="1.0" encoding="utf-8"?>
 <p:notes xmlns:a="http://schemas.openxmlformats.org/drawingml/2006/main" xmlns:r="http://schemas.openxmlformats.org/officeDocument/2006/relationships" xmlns:p="http://schemas.openxmlformats.org/presentationml/2006/main">
   <p:cSld>
     <p:spTree>
@@ -4216,7 +4093,7 @@
           </a:bodyPr>
           <a:lstStyle/>
           <a:p>
-            <a:pPr>
+            <a:pPr eaLnBrk="1" hangingPunct="1">
               <a:spcBef>
                 <a:spcPct val="0"/>
               </a:spcBef>
@@ -4236,7 +4113,6 @@
           </p:nvPr>
         </p:nvSpPr>
         <p:spPr bwMode="auto">
-          <a:noFill/>
           <a:ln>
             <a:miter lim="800000"/>
             <a:headEnd/>
@@ -4258,8 +4134,9 @@
               <a:spcAft>
                 <a:spcPct val="0"/>
               </a:spcAft>
+              <a:defRPr/>
             </a:pPr>
-            <a:fld id="{98689937-0BC2-4708-9AFB-58A7212868DD}" type="slidenum">
+            <a:fld id="{DA79D33B-101D-40D9-8C9F-E21A9AE61DCB}" type="slidenum">
               <a:rPr lang="en-US"/>
               <a:pPr fontAlgn="base">
                 <a:spcBef>
@@ -4268,8 +4145,9 @@
                 <a:spcAft>
                   <a:spcPct val="0"/>
                 </a:spcAft>
+                <a:defRPr/>
               </a:pPr>
-              <a:t>21</a:t>
+              <a:t>20</a:t>
             </a:fld>
             <a:endParaRPr lang="en-US"/>
           </a:p>
@@ -4283,7 +4161,7 @@
 </p:notes>
 </file>
 
-<file path=ppt/notesSlides/notesSlide16.xml><?xml version="1.0" encoding="utf-8"?>
+<file path=ppt/notesSlides/notesSlide15.xml><?xml version="1.0" encoding="utf-8"?>
 <p:notes xmlns:a="http://schemas.openxmlformats.org/drawingml/2006/main" xmlns:r="http://schemas.openxmlformats.org/officeDocument/2006/relationships" xmlns:p="http://schemas.openxmlformats.org/presentationml/2006/main">
   <p:cSld>
     <p:spTree>
@@ -4343,7 +4221,7 @@
           </a:bodyPr>
           <a:lstStyle/>
           <a:p>
-            <a:pPr>
+            <a:pPr eaLnBrk="1" hangingPunct="1">
               <a:spcBef>
                 <a:spcPct val="0"/>
               </a:spcBef>
@@ -4363,7 +4241,6 @@
           </p:nvPr>
         </p:nvSpPr>
         <p:spPr bwMode="auto">
-          <a:noFill/>
           <a:ln>
             <a:miter lim="800000"/>
             <a:headEnd/>
@@ -4385,8 +4262,9 @@
               <a:spcAft>
                 <a:spcPct val="0"/>
               </a:spcAft>
+              <a:defRPr/>
             </a:pPr>
-            <a:fld id="{53D5BA6A-3CAB-41E5-A30F-E088A4A504B0}" type="slidenum">
+            <a:fld id="{F20587C6-2E5F-4347-8263-8D5EFAAE14FB}" type="slidenum">
               <a:rPr lang="en-US"/>
               <a:pPr fontAlgn="base">
                 <a:spcBef>
@@ -4395,8 +4273,9 @@
                 <a:spcAft>
                   <a:spcPct val="0"/>
                 </a:spcAft>
+                <a:defRPr/>
               </a:pPr>
-              <a:t>22</a:t>
+              <a:t>21</a:t>
             </a:fld>
             <a:endParaRPr lang="en-US"/>
           </a:p>
@@ -4410,7 +4289,7 @@
 </p:notes>
 </file>
 
-<file path=ppt/notesSlides/notesSlide17.xml><?xml version="1.0" encoding="utf-8"?>
+<file path=ppt/notesSlides/notesSlide16.xml><?xml version="1.0" encoding="utf-8"?>
 <p:notes xmlns:a="http://schemas.openxmlformats.org/drawingml/2006/main" xmlns:r="http://schemas.openxmlformats.org/officeDocument/2006/relationships" xmlns:p="http://schemas.openxmlformats.org/presentationml/2006/main">
   <p:cSld>
     <p:spTree>
@@ -4470,7 +4349,7 @@
           </a:bodyPr>
           <a:lstStyle/>
           <a:p>
-            <a:pPr>
+            <a:pPr eaLnBrk="1" hangingPunct="1">
               <a:spcBef>
                 <a:spcPct val="0"/>
               </a:spcBef>
@@ -4490,7 +4369,6 @@
           </p:nvPr>
         </p:nvSpPr>
         <p:spPr bwMode="auto">
-          <a:noFill/>
           <a:ln>
             <a:miter lim="800000"/>
             <a:headEnd/>
@@ -4512,8 +4390,9 @@
               <a:spcAft>
                 <a:spcPct val="0"/>
               </a:spcAft>
+              <a:defRPr/>
             </a:pPr>
-            <a:fld id="{BAB55120-B20F-43FF-B945-CD9A22E8DA2A}" type="slidenum">
+            <a:fld id="{243547F6-4D2A-4353-951D-C05B446F1DFC}" type="slidenum">
               <a:rPr lang="en-US"/>
               <a:pPr fontAlgn="base">
                 <a:spcBef>
@@ -4522,8 +4401,9 @@
                 <a:spcAft>
                   <a:spcPct val="0"/>
                 </a:spcAft>
+                <a:defRPr/>
               </a:pPr>
-              <a:t>23</a:t>
+              <a:t>22</a:t>
             </a:fld>
             <a:endParaRPr lang="en-US"/>
           </a:p>
@@ -4537,7 +4417,7 @@
 </p:notes>
 </file>
 
-<file path=ppt/notesSlides/notesSlide18.xml><?xml version="1.0" encoding="utf-8"?>
+<file path=ppt/notesSlides/notesSlide17.xml><?xml version="1.0" encoding="utf-8"?>
 <p:notes xmlns:a="http://schemas.openxmlformats.org/drawingml/2006/main" xmlns:r="http://schemas.openxmlformats.org/officeDocument/2006/relationships" xmlns:p="http://schemas.openxmlformats.org/presentationml/2006/main">
   <p:cSld>
     <p:spTree>
@@ -4597,7 +4477,7 @@
           </a:bodyPr>
           <a:lstStyle/>
           <a:p>
-            <a:pPr>
+            <a:pPr eaLnBrk="1" hangingPunct="1">
               <a:spcBef>
                 <a:spcPct val="0"/>
               </a:spcBef>
@@ -4617,7 +4497,6 @@
           </p:nvPr>
         </p:nvSpPr>
         <p:spPr bwMode="auto">
-          <a:noFill/>
           <a:ln>
             <a:miter lim="800000"/>
             <a:headEnd/>
@@ -4639,8 +4518,9 @@
               <a:spcAft>
                 <a:spcPct val="0"/>
               </a:spcAft>
+              <a:defRPr/>
             </a:pPr>
-            <a:fld id="{A8821D62-1817-4C94-9BCF-7F7B0648AF75}" type="slidenum">
+            <a:fld id="{0E2E564C-F71A-4537-A65E-09E68A136C1E}" type="slidenum">
               <a:rPr lang="en-US"/>
               <a:pPr fontAlgn="base">
                 <a:spcBef>
@@ -4649,8 +4529,9 @@
                 <a:spcAft>
                   <a:spcPct val="0"/>
                 </a:spcAft>
+                <a:defRPr/>
               </a:pPr>
-              <a:t>24</a:t>
+              <a:t>23</a:t>
             </a:fld>
             <a:endParaRPr lang="en-US"/>
           </a:p>
@@ -4664,7 +4545,7 @@
 </p:notes>
 </file>
 
-<file path=ppt/notesSlides/notesSlide19.xml><?xml version="1.0" encoding="utf-8"?>
+<file path=ppt/notesSlides/notesSlide18.xml><?xml version="1.0" encoding="utf-8"?>
 <p:notes xmlns:a="http://schemas.openxmlformats.org/drawingml/2006/main" xmlns:r="http://schemas.openxmlformats.org/officeDocument/2006/relationships" xmlns:p="http://schemas.openxmlformats.org/presentationml/2006/main">
   <p:cSld>
     <p:spTree>
@@ -4724,7 +4605,7 @@
           </a:bodyPr>
           <a:lstStyle/>
           <a:p>
-            <a:pPr>
+            <a:pPr eaLnBrk="1" hangingPunct="1">
               <a:spcBef>
                 <a:spcPct val="0"/>
               </a:spcBef>
@@ -4744,7 +4625,6 @@
           </p:nvPr>
         </p:nvSpPr>
         <p:spPr bwMode="auto">
-          <a:noFill/>
           <a:ln>
             <a:miter lim="800000"/>
             <a:headEnd/>
@@ -4766,8 +4646,9 @@
               <a:spcAft>
                 <a:spcPct val="0"/>
               </a:spcAft>
+              <a:defRPr/>
             </a:pPr>
-            <a:fld id="{C6A72B13-6B47-4DC1-A854-0D466BE71C7F}" type="slidenum">
+            <a:fld id="{2B871BA3-B2AD-490A-BD32-5F4A2A722544}" type="slidenum">
               <a:rPr lang="en-US"/>
               <a:pPr fontAlgn="base">
                 <a:spcBef>
@@ -4776,8 +4657,137 @@
                 <a:spcAft>
                   <a:spcPct val="0"/>
                 </a:spcAft>
+                <a:defRPr/>
               </a:pPr>
-              <a:t>25</a:t>
+              <a:t>24</a:t>
+            </a:fld>
+            <a:endParaRPr lang="en-US"/>
+          </a:p>
+        </p:txBody>
+      </p:sp>
+    </p:spTree>
+  </p:cSld>
+  <p:clrMapOvr>
+    <a:masterClrMapping/>
+  </p:clrMapOvr>
+</p:notes>
+</file>
+
+<file path=ppt/notesSlides/notesSlide19.xml><?xml version="1.0" encoding="utf-8"?>
+<p:notes xmlns:a="http://schemas.openxmlformats.org/drawingml/2006/main" xmlns:r="http://schemas.openxmlformats.org/officeDocument/2006/relationships" xmlns:p="http://schemas.openxmlformats.org/presentationml/2006/main">
+  <p:cSld>
+    <p:spTree>
+      <p:nvGrpSpPr>
+        <p:cNvPr id="1" name=""/>
+        <p:cNvGrpSpPr/>
+        <p:nvPr/>
+      </p:nvGrpSpPr>
+      <p:grpSpPr>
+        <a:xfrm>
+          <a:off x="0" y="0"/>
+          <a:ext cx="0" cy="0"/>
+          <a:chOff x="0" y="0"/>
+          <a:chExt cx="0" cy="0"/>
+        </a:xfrm>
+      </p:grpSpPr>
+      <p:sp>
+        <p:nvSpPr>
+          <p:cNvPr id="73729" name="Slide Image Placeholder 1"/>
+          <p:cNvSpPr>
+            <a:spLocks noGrp="1" noRot="1" noChangeAspect="1"/>
+          </p:cNvSpPr>
+          <p:nvPr>
+            <p:ph type="sldImg"/>
+          </p:nvPr>
+        </p:nvSpPr>
+        <p:spPr bwMode="auto">
+          <a:noFill/>
+          <a:ln>
+            <a:solidFill>
+              <a:srgbClr val="000000"/>
+            </a:solidFill>
+            <a:miter lim="800000"/>
+            <a:headEnd/>
+            <a:tailEnd/>
+          </a:ln>
+        </p:spPr>
+      </p:sp>
+      <p:sp>
+        <p:nvSpPr>
+          <p:cNvPr id="73730" name="Notes Placeholder 2"/>
+          <p:cNvSpPr>
+            <a:spLocks noGrp="1"/>
+          </p:cNvSpPr>
+          <p:nvPr>
+            <p:ph type="body" idx="1"/>
+          </p:nvPr>
+        </p:nvSpPr>
+        <p:spPr bwMode="auto">
+          <a:noFill/>
+        </p:spPr>
+        <p:txBody>
+          <a:bodyPr wrap="square" numCol="1" anchor="t" anchorCtr="0" compatLnSpc="1">
+            <a:prstTxWarp prst="textNoShape">
+              <a:avLst/>
+            </a:prstTxWarp>
+          </a:bodyPr>
+          <a:lstStyle/>
+          <a:p>
+            <a:pPr eaLnBrk="1" hangingPunct="1">
+              <a:spcBef>
+                <a:spcPct val="0"/>
+              </a:spcBef>
+            </a:pPr>
+            <a:endParaRPr lang="en-US" smtClean="0"/>
+          </a:p>
+        </p:txBody>
+      </p:sp>
+      <p:sp>
+        <p:nvSpPr>
+          <p:cNvPr id="73731" name="Slide Number Placeholder 3"/>
+          <p:cNvSpPr>
+            <a:spLocks noGrp="1"/>
+          </p:cNvSpPr>
+          <p:nvPr>
+            <p:ph type="sldNum" sz="quarter" idx="5"/>
+          </p:nvPr>
+        </p:nvSpPr>
+        <p:spPr bwMode="auto">
+          <a:ln>
+            <a:miter lim="800000"/>
+            <a:headEnd/>
+            <a:tailEnd/>
+          </a:ln>
+        </p:spPr>
+        <p:txBody>
+          <a:bodyPr wrap="square" numCol="1" anchorCtr="0" compatLnSpc="1">
+            <a:prstTxWarp prst="textNoShape">
+              <a:avLst/>
+            </a:prstTxWarp>
+          </a:bodyPr>
+          <a:lstStyle/>
+          <a:p>
+            <a:pPr fontAlgn="base">
+              <a:spcBef>
+                <a:spcPct val="0"/>
+              </a:spcBef>
+              <a:spcAft>
+                <a:spcPct val="0"/>
+              </a:spcAft>
+              <a:defRPr/>
+            </a:pPr>
+            <a:fld id="{045D6EE8-A894-4B34-AF4B-A4BC00767691}" type="slidenum">
+              <a:rPr lang="en-US"/>
+              <a:pPr fontAlgn="base">
+                <a:spcBef>
+                  <a:spcPct val="0"/>
+                </a:spcBef>
+                <a:spcAft>
+                  <a:spcPct val="0"/>
+                </a:spcAft>
+                <a:defRPr/>
+              </a:pPr>
+              <a:t>26</a:t>
             </a:fld>
             <a:endParaRPr lang="en-US"/>
           </a:p>
@@ -4851,7 +4861,7 @@
           </a:bodyPr>
           <a:lstStyle/>
           <a:p>
-            <a:pPr>
+            <a:pPr eaLnBrk="1" hangingPunct="1">
               <a:spcBef>
                 <a:spcPct val="0"/>
               </a:spcBef>
@@ -4871,7 +4881,6 @@
           </p:nvPr>
         </p:nvSpPr>
         <p:spPr bwMode="auto">
-          <a:noFill/>
           <a:ln>
             <a:miter lim="800000"/>
             <a:headEnd/>
@@ -4893,8 +4902,9 @@
               <a:spcAft>
                 <a:spcPct val="0"/>
               </a:spcAft>
+              <a:defRPr/>
             </a:pPr>
-            <a:fld id="{2AED796D-AF28-42A2-B966-7808AA3027D3}" type="slidenum">
+            <a:fld id="{4AFD60DD-3307-4BA8-A020-0D04761464F2}" type="slidenum">
               <a:rPr lang="en-US"/>
               <a:pPr fontAlgn="base">
                 <a:spcBef>
@@ -4903,6 +4913,7 @@
                 <a:spcAft>
                   <a:spcPct val="0"/>
                 </a:spcAft>
+                <a:defRPr/>
               </a:pPr>
               <a:t>4</a:t>
             </a:fld>
@@ -4919,133 +4930,6 @@
 </file>
 
 <file path=ppt/notesSlides/notesSlide20.xml><?xml version="1.0" encoding="utf-8"?>
-<p:notes xmlns:a="http://schemas.openxmlformats.org/drawingml/2006/main" xmlns:r="http://schemas.openxmlformats.org/officeDocument/2006/relationships" xmlns:p="http://schemas.openxmlformats.org/presentationml/2006/main">
-  <p:cSld>
-    <p:spTree>
-      <p:nvGrpSpPr>
-        <p:cNvPr id="1" name=""/>
-        <p:cNvGrpSpPr/>
-        <p:nvPr/>
-      </p:nvGrpSpPr>
-      <p:grpSpPr>
-        <a:xfrm>
-          <a:off x="0" y="0"/>
-          <a:ext cx="0" cy="0"/>
-          <a:chOff x="0" y="0"/>
-          <a:chExt cx="0" cy="0"/>
-        </a:xfrm>
-      </p:grpSpPr>
-      <p:sp>
-        <p:nvSpPr>
-          <p:cNvPr id="73729" name="Slide Image Placeholder 1"/>
-          <p:cNvSpPr>
-            <a:spLocks noGrp="1" noRot="1" noChangeAspect="1"/>
-          </p:cNvSpPr>
-          <p:nvPr>
-            <p:ph type="sldImg"/>
-          </p:nvPr>
-        </p:nvSpPr>
-        <p:spPr bwMode="auto">
-          <a:noFill/>
-          <a:ln>
-            <a:solidFill>
-              <a:srgbClr val="000000"/>
-            </a:solidFill>
-            <a:miter lim="800000"/>
-            <a:headEnd/>
-            <a:tailEnd/>
-          </a:ln>
-        </p:spPr>
-      </p:sp>
-      <p:sp>
-        <p:nvSpPr>
-          <p:cNvPr id="73730" name="Notes Placeholder 2"/>
-          <p:cNvSpPr>
-            <a:spLocks noGrp="1"/>
-          </p:cNvSpPr>
-          <p:nvPr>
-            <p:ph type="body" idx="1"/>
-          </p:nvPr>
-        </p:nvSpPr>
-        <p:spPr bwMode="auto">
-          <a:noFill/>
-        </p:spPr>
-        <p:txBody>
-          <a:bodyPr wrap="square" numCol="1" anchor="t" anchorCtr="0" compatLnSpc="1">
-            <a:prstTxWarp prst="textNoShape">
-              <a:avLst/>
-            </a:prstTxWarp>
-          </a:bodyPr>
-          <a:lstStyle/>
-          <a:p>
-            <a:pPr>
-              <a:spcBef>
-                <a:spcPct val="0"/>
-              </a:spcBef>
-            </a:pPr>
-            <a:endParaRPr lang="en-US" smtClean="0"/>
-          </a:p>
-        </p:txBody>
-      </p:sp>
-      <p:sp>
-        <p:nvSpPr>
-          <p:cNvPr id="73731" name="Slide Number Placeholder 3"/>
-          <p:cNvSpPr>
-            <a:spLocks noGrp="1"/>
-          </p:cNvSpPr>
-          <p:nvPr>
-            <p:ph type="sldNum" sz="quarter" idx="5"/>
-          </p:nvPr>
-        </p:nvSpPr>
-        <p:spPr bwMode="auto">
-          <a:noFill/>
-          <a:ln>
-            <a:miter lim="800000"/>
-            <a:headEnd/>
-            <a:tailEnd/>
-          </a:ln>
-        </p:spPr>
-        <p:txBody>
-          <a:bodyPr wrap="square" numCol="1" anchorCtr="0" compatLnSpc="1">
-            <a:prstTxWarp prst="textNoShape">
-              <a:avLst/>
-            </a:prstTxWarp>
-          </a:bodyPr>
-          <a:lstStyle/>
-          <a:p>
-            <a:pPr fontAlgn="base">
-              <a:spcBef>
-                <a:spcPct val="0"/>
-              </a:spcBef>
-              <a:spcAft>
-                <a:spcPct val="0"/>
-              </a:spcAft>
-            </a:pPr>
-            <a:fld id="{1067E0CA-AF91-4798-AE7B-16EA39483AF3}" type="slidenum">
-              <a:rPr lang="en-US"/>
-              <a:pPr fontAlgn="base">
-                <a:spcBef>
-                  <a:spcPct val="0"/>
-                </a:spcBef>
-                <a:spcAft>
-                  <a:spcPct val="0"/>
-                </a:spcAft>
-              </a:pPr>
-              <a:t>27</a:t>
-            </a:fld>
-            <a:endParaRPr lang="en-US"/>
-          </a:p>
-        </p:txBody>
-      </p:sp>
-    </p:spTree>
-  </p:cSld>
-  <p:clrMapOvr>
-    <a:masterClrMapping/>
-  </p:clrMapOvr>
-</p:notes>
-</file>
-
-<file path=ppt/notesSlides/notesSlide21.xml><?xml version="1.0" encoding="utf-8"?>
 <p:notes xmlns:a="http://schemas.openxmlformats.org/drawingml/2006/main" xmlns:r="http://schemas.openxmlformats.org/officeDocument/2006/relationships" xmlns:p="http://schemas.openxmlformats.org/presentationml/2006/main">
   <p:cSld>
     <p:spTree>
@@ -5105,7 +4989,7 @@
           </a:bodyPr>
           <a:lstStyle/>
           <a:p>
-            <a:pPr>
+            <a:pPr eaLnBrk="1" hangingPunct="1">
               <a:spcBef>
                 <a:spcPct val="0"/>
               </a:spcBef>
@@ -5125,7 +5009,6 @@
           </p:nvPr>
         </p:nvSpPr>
         <p:spPr bwMode="auto">
-          <a:noFill/>
           <a:ln>
             <a:miter lim="800000"/>
             <a:headEnd/>
@@ -5147,8 +5030,9 @@
               <a:spcAft>
                 <a:spcPct val="0"/>
               </a:spcAft>
+              <a:defRPr/>
             </a:pPr>
-            <a:fld id="{B6CDC72B-ED08-498A-AD5F-494330B2E0CC}" type="slidenum">
+            <a:fld id="{D2CBC24D-9969-4145-9BAB-9BBE54B4C213}" type="slidenum">
               <a:rPr lang="en-US"/>
               <a:pPr fontAlgn="base">
                 <a:spcBef>
@@ -5157,8 +5041,9 @@
                 <a:spcAft>
                   <a:spcPct val="0"/>
                 </a:spcAft>
+                <a:defRPr/>
               </a:pPr>
-              <a:t>30</a:t>
+              <a:t>29</a:t>
             </a:fld>
             <a:endParaRPr lang="en-US"/>
           </a:p>
@@ -5232,7 +5117,7 @@
           </a:bodyPr>
           <a:lstStyle/>
           <a:p>
-            <a:pPr>
+            <a:pPr eaLnBrk="1" hangingPunct="1">
               <a:spcBef>
                 <a:spcPct val="0"/>
               </a:spcBef>
@@ -5252,7 +5137,6 @@
           </p:nvPr>
         </p:nvSpPr>
         <p:spPr bwMode="auto">
-          <a:noFill/>
           <a:ln>
             <a:miter lim="800000"/>
             <a:headEnd/>
@@ -5274,6 +5158,7 @@
               <a:spcAft>
                 <a:spcPct val="0"/>
               </a:spcAft>
+              <a:defRPr/>
             </a:pPr>
             <a:endParaRPr lang="en-US" smtClean="0"/>
           </a:p>
@@ -5290,7 +5175,6 @@
           </p:nvPr>
         </p:nvSpPr>
         <p:spPr bwMode="auto">
-          <a:noFill/>
           <a:ln>
             <a:miter lim="800000"/>
             <a:headEnd/>
@@ -5312,6 +5196,7 @@
               <a:spcAft>
                 <a:spcPct val="0"/>
               </a:spcAft>
+              <a:defRPr/>
             </a:pPr>
             <a:fld id="{6A8E703D-971E-4061-B5AF-D2E5EFEDB541}" type="datetime8">
               <a:rPr lang="en-US"/>
@@ -5322,8 +5207,9 @@
                 <a:spcAft>
                   <a:spcPct val="0"/>
                 </a:spcAft>
+                <a:defRPr/>
               </a:pPr>
-              <a:t>4/9/2010 10:26 PM</a:t>
+              <a:t>4/11/2010 5:03 PM</a:t>
             </a:fld>
             <a:endParaRPr lang="en-US"/>
           </a:p>
@@ -5340,7 +5226,6 @@
           </p:nvPr>
         </p:nvSpPr>
         <p:spPr bwMode="auto">
-          <a:noFill/>
           <a:ln>
             <a:miter lim="800000"/>
             <a:headEnd/>
@@ -5362,6 +5247,7 @@
               <a:spcAft>
                 <a:spcPct val="0"/>
               </a:spcAft>
+              <a:defRPr/>
             </a:pPr>
             <a:r>
               <a:rPr lang="en-US" smtClean="0">
@@ -5380,6 +5266,7 @@
               <a:spcAft>
                 <a:spcPct val="0"/>
               </a:spcAft>
+              <a:defRPr/>
             </a:pPr>
             <a:r>
               <a:rPr lang="en-US" smtClean="0">
@@ -5413,6 +5300,7 @@
               <a:spcAft>
                 <a:spcPct val="0"/>
               </a:spcAft>
+              <a:defRPr/>
             </a:pPr>
             <a:endParaRPr lang="en-US" smtClean="0"/>
           </a:p>
@@ -5429,7 +5317,6 @@
           </p:nvPr>
         </p:nvSpPr>
         <p:spPr bwMode="auto">
-          <a:noFill/>
           <a:ln>
             <a:miter lim="800000"/>
             <a:headEnd/>
@@ -5451,8 +5338,9 @@
               <a:spcAft>
                 <a:spcPct val="0"/>
               </a:spcAft>
+              <a:defRPr/>
             </a:pPr>
-            <a:fld id="{90289A66-454F-434E-9032-887C293FDEC0}" type="slidenum">
+            <a:fld id="{D0F4DB56-6065-4B25-8653-2E4563C205B5}" type="slidenum">
               <a:rPr lang="en-US"/>
               <a:pPr fontAlgn="base">
                 <a:spcBef>
@@ -5461,6 +5349,7 @@
                 <a:spcAft>
                   <a:spcPct val="0"/>
                 </a:spcAft>
+                <a:defRPr/>
               </a:pPr>
               <a:t>5</a:t>
             </a:fld>
@@ -5536,7 +5425,7 @@
           </a:bodyPr>
           <a:lstStyle/>
           <a:p>
-            <a:pPr>
+            <a:pPr eaLnBrk="1" hangingPunct="1">
               <a:spcBef>
                 <a:spcPct val="0"/>
               </a:spcBef>
@@ -5556,7 +5445,6 @@
           </p:nvPr>
         </p:nvSpPr>
         <p:spPr bwMode="auto">
-          <a:noFill/>
           <a:ln>
             <a:miter lim="800000"/>
             <a:headEnd/>
@@ -5578,8 +5466,9 @@
               <a:spcAft>
                 <a:spcPct val="0"/>
               </a:spcAft>
+              <a:defRPr/>
             </a:pPr>
-            <a:fld id="{5E3A838E-E960-431E-8A9E-0C572A35B895}" type="slidenum">
+            <a:fld id="{63FB3B8C-1EF8-4E09-B0FD-B770AFE1C68B}" type="slidenum">
               <a:rPr lang="en-US"/>
               <a:pPr fontAlgn="base">
                 <a:spcBef>
@@ -5588,6 +5477,7 @@
                 <a:spcAft>
                   <a:spcPct val="0"/>
                 </a:spcAft>
+                <a:defRPr/>
               </a:pPr>
               <a:t>6</a:t>
             </a:fld>
@@ -5663,7 +5553,7 @@
           </a:bodyPr>
           <a:lstStyle/>
           <a:p>
-            <a:pPr>
+            <a:pPr eaLnBrk="1" hangingPunct="1">
               <a:spcBef>
                 <a:spcPct val="0"/>
               </a:spcBef>
@@ -5683,7 +5573,6 @@
           </p:nvPr>
         </p:nvSpPr>
         <p:spPr bwMode="auto">
-          <a:noFill/>
           <a:ln>
             <a:miter lim="800000"/>
             <a:headEnd/>
@@ -5705,8 +5594,9 @@
               <a:spcAft>
                 <a:spcPct val="0"/>
               </a:spcAft>
+              <a:defRPr/>
             </a:pPr>
-            <a:fld id="{F63083C7-726E-4E69-BD93-668986CFB8FD}" type="slidenum">
+            <a:fld id="{DEDB0BE1-6CA6-4247-AFB5-31C6064EFB7F}" type="slidenum">
               <a:rPr lang="en-US"/>
               <a:pPr fontAlgn="base">
                 <a:spcBef>
@@ -5715,6 +5605,7 @@
                 <a:spcAft>
                   <a:spcPct val="0"/>
                 </a:spcAft>
+                <a:defRPr/>
               </a:pPr>
               <a:t>7</a:t>
             </a:fld>
@@ -5790,7 +5681,7 @@
           </a:bodyPr>
           <a:lstStyle/>
           <a:p>
-            <a:pPr>
+            <a:pPr eaLnBrk="1" hangingPunct="1">
               <a:spcBef>
                 <a:spcPct val="0"/>
               </a:spcBef>
@@ -5810,7 +5701,6 @@
           </p:nvPr>
         </p:nvSpPr>
         <p:spPr bwMode="auto">
-          <a:noFill/>
           <a:ln>
             <a:miter lim="800000"/>
             <a:headEnd/>
@@ -5832,8 +5722,9 @@
               <a:spcAft>
                 <a:spcPct val="0"/>
               </a:spcAft>
+              <a:defRPr/>
             </a:pPr>
-            <a:fld id="{64DC45DA-7978-460C-9AAA-2FD934B6CAEC}" type="slidenum">
+            <a:fld id="{4EB7D114-EC30-4B9E-B585-C571ADA2BD79}" type="slidenum">
               <a:rPr lang="en-US"/>
               <a:pPr fontAlgn="base">
                 <a:spcBef>
@@ -5842,6 +5733,7 @@
                 <a:spcAft>
                   <a:spcPct val="0"/>
                 </a:spcAft>
+                <a:defRPr/>
               </a:pPr>
               <a:t>8</a:t>
             </a:fld>
@@ -5917,7 +5809,7 @@
           </a:bodyPr>
           <a:lstStyle/>
           <a:p>
-            <a:pPr>
+            <a:pPr eaLnBrk="1" hangingPunct="1">
               <a:spcBef>
                 <a:spcPct val="0"/>
               </a:spcBef>
@@ -5937,7 +5829,6 @@
           </p:nvPr>
         </p:nvSpPr>
         <p:spPr bwMode="auto">
-          <a:noFill/>
           <a:ln>
             <a:miter lim="800000"/>
             <a:headEnd/>
@@ -5959,8 +5850,9 @@
               <a:spcAft>
                 <a:spcPct val="0"/>
               </a:spcAft>
+              <a:defRPr/>
             </a:pPr>
-            <a:fld id="{F7FC9776-89D7-4557-9292-FD93CAFB3AC1}" type="slidenum">
+            <a:fld id="{85D7562C-6906-4AC2-B430-5494A6616251}" type="slidenum">
               <a:rPr lang="en-US"/>
               <a:pPr fontAlgn="base">
                 <a:spcBef>
@@ -5969,6 +5861,7 @@
                 <a:spcAft>
                   <a:spcPct val="0"/>
                 </a:spcAft>
+                <a:defRPr/>
               </a:pPr>
               <a:t>9</a:t>
             </a:fld>
@@ -6044,7 +5937,7 @@
           </a:bodyPr>
           <a:lstStyle/>
           <a:p>
-            <a:pPr>
+            <a:pPr eaLnBrk="1" hangingPunct="1">
               <a:spcBef>
                 <a:spcPct val="0"/>
               </a:spcBef>
@@ -6064,7 +5957,6 @@
           </p:nvPr>
         </p:nvSpPr>
         <p:spPr bwMode="auto">
-          <a:noFill/>
           <a:ln>
             <a:miter lim="800000"/>
             <a:headEnd/>
@@ -6086,8 +5978,9 @@
               <a:spcAft>
                 <a:spcPct val="0"/>
               </a:spcAft>
+              <a:defRPr/>
             </a:pPr>
-            <a:fld id="{CFBFDCA6-3A2D-47A5-A438-FFB47E5977D5}" type="slidenum">
+            <a:fld id="{0FB1700C-D373-479A-90C6-96EADF467FDB}" type="slidenum">
               <a:rPr lang="en-US"/>
               <a:pPr fontAlgn="base">
                 <a:spcBef>
@@ -6096,6 +5989,7 @@
                 <a:spcAft>
                   <a:spcPct val="0"/>
                 </a:spcAft>
+                <a:defRPr/>
               </a:pPr>
               <a:t>10</a:t>
             </a:fld>
@@ -6171,7 +6065,7 @@
           </a:bodyPr>
           <a:lstStyle/>
           <a:p>
-            <a:pPr>
+            <a:pPr eaLnBrk="1" hangingPunct="1">
               <a:spcBef>
                 <a:spcPct val="0"/>
               </a:spcBef>
@@ -6191,7 +6085,6 @@
           </p:nvPr>
         </p:nvSpPr>
         <p:spPr bwMode="auto">
-          <a:noFill/>
           <a:ln>
             <a:miter lim="800000"/>
             <a:headEnd/>
@@ -6213,8 +6106,9 @@
               <a:spcAft>
                 <a:spcPct val="0"/>
               </a:spcAft>
+              <a:defRPr/>
             </a:pPr>
-            <a:fld id="{87ECBE28-E6DC-4F18-AF75-9D73024DE1D6}" type="slidenum">
+            <a:fld id="{643AB412-FA04-40F5-860D-B089F4CFF3FA}" type="slidenum">
               <a:rPr lang="en-US"/>
               <a:pPr fontAlgn="base">
                 <a:spcBef>
@@ -6223,6 +6117,7 @@
                 <a:spcAft>
                   <a:spcPct val="0"/>
                 </a:spcAft>
+                <a:defRPr/>
               </a:pPr>
               <a:t>11</a:t>
             </a:fld>
@@ -6453,12 +6348,12 @@
             <a:pPr>
               <a:defRPr/>
             </a:pPr>
-            <a:fld id="{D1C9745D-4D25-41CE-910D-B81D5948A280}" type="datetimeFigureOut">
+            <a:fld id="{C386DC47-0F90-4727-9A34-3AC346F923C3}" type="datetimeFigureOut">
               <a:rPr lang="en-US"/>
               <a:pPr>
                 <a:defRPr/>
               </a:pPr>
-              <a:t>4/9/2010</a:t>
+              <a:t>4/11/2010</a:t>
             </a:fld>
             <a:endParaRPr lang="en-US"/>
           </a:p>
@@ -6512,7 +6407,7 @@
             <a:pPr>
               <a:defRPr/>
             </a:pPr>
-            <a:fld id="{E68A6754-09C2-4298-90BD-ACB6E6CBBD08}" type="slidenum">
+            <a:fld id="{8C44D832-AC51-4BD2-B7D9-2E9C0574380E}" type="slidenum">
               <a:rPr lang="en-US"/>
               <a:pPr>
                 <a:defRPr/>
@@ -6645,12 +6540,12 @@
             <a:pPr>
               <a:defRPr/>
             </a:pPr>
-            <a:fld id="{FDE03268-4C29-4711-8379-E6F33E1937B7}" type="datetimeFigureOut">
+            <a:fld id="{52131437-47E7-407A-B910-750CA350456A}" type="datetimeFigureOut">
               <a:rPr lang="en-US"/>
               <a:pPr>
                 <a:defRPr/>
               </a:pPr>
-              <a:t>4/9/2010</a:t>
+              <a:t>4/11/2010</a:t>
             </a:fld>
             <a:endParaRPr lang="en-US" dirty="0"/>
           </a:p>
@@ -6704,7 +6599,7 @@
             <a:pPr>
               <a:defRPr/>
             </a:pPr>
-            <a:fld id="{C3BA5058-F34C-4B11-8814-66025360FFE1}" type="slidenum">
+            <a:fld id="{F779A230-72AA-450B-9DD3-F072BF90E288}" type="slidenum">
               <a:rPr lang="en-US"/>
               <a:pPr>
                 <a:defRPr/>
@@ -6914,12 +6809,12 @@
             <a:pPr>
               <a:defRPr/>
             </a:pPr>
-            <a:fld id="{394FD6F6-7C04-4768-8878-E72B4A5AF598}" type="datetimeFigureOut">
+            <a:fld id="{93D71EDA-48E1-495F-A37C-38B82ACCBA36}" type="datetimeFigureOut">
               <a:rPr lang="en-US"/>
               <a:pPr>
                 <a:defRPr/>
               </a:pPr>
-              <a:t>4/9/2010</a:t>
+              <a:t>4/11/2010</a:t>
             </a:fld>
             <a:endParaRPr lang="en-US"/>
           </a:p>
@@ -6973,7 +6868,7 @@
             <a:pPr>
               <a:defRPr/>
             </a:pPr>
-            <a:fld id="{75C9DF02-D14F-4370-9028-B5A65EFD51F1}" type="slidenum">
+            <a:fld id="{08655924-0641-4D0F-8AA7-08A477A96B77}" type="slidenum">
               <a:rPr lang="en-US"/>
               <a:pPr>
                 <a:defRPr/>
@@ -7205,12 +7100,12 @@
             <a:pPr>
               <a:defRPr/>
             </a:pPr>
-            <a:fld id="{DAA09F71-35E2-49BD-BA6A-7FEDAA94F740}" type="datetimeFigureOut">
+            <a:fld id="{81CD8522-A6F8-431E-9EA5-C2CC4745C968}" type="datetimeFigureOut">
               <a:rPr lang="en-US"/>
               <a:pPr>
                 <a:defRPr/>
               </a:pPr>
-              <a:t>4/9/2010</a:t>
+              <a:t>4/11/2010</a:t>
             </a:fld>
             <a:endParaRPr lang="en-US" dirty="0"/>
           </a:p>
@@ -7264,7 +7159,7 @@
             <a:pPr>
               <a:defRPr/>
             </a:pPr>
-            <a:fld id="{F47B15B0-3D39-4702-8418-36D984317CE4}" type="slidenum">
+            <a:fld id="{C708D6B9-72BB-4360-94EE-208FE7790FED}" type="slidenum">
               <a:rPr lang="en-US"/>
               <a:pPr>
                 <a:defRPr/>
@@ -7610,12 +7505,12 @@
             <a:pPr>
               <a:defRPr/>
             </a:pPr>
-            <a:fld id="{34BB520D-223F-4467-BCDC-5F31CDEA8A6F}" type="datetimeFigureOut">
+            <a:fld id="{FED9468F-2446-4BA7-88EE-4BC4625C09C9}" type="datetimeFigureOut">
               <a:rPr lang="en-US"/>
               <a:pPr>
                 <a:defRPr/>
               </a:pPr>
-              <a:t>4/9/2010</a:t>
+              <a:t>4/11/2010</a:t>
             </a:fld>
             <a:endParaRPr lang="en-US" dirty="0"/>
           </a:p>
@@ -7669,7 +7564,7 @@
             <a:pPr>
               <a:defRPr/>
             </a:pPr>
-            <a:fld id="{2E0BA465-5BA7-433C-A960-81030B43DC7B}" type="slidenum">
+            <a:fld id="{C4D2221D-F4FB-4EBE-8ED3-7EF976406F22}" type="slidenum">
               <a:rPr lang="en-US"/>
               <a:pPr>
                 <a:defRPr/>
@@ -7787,12 +7682,12 @@
             <a:pPr>
               <a:defRPr/>
             </a:pPr>
-            <a:fld id="{B9C0D90F-2A6B-4CA5-BD97-99DF76735AA4}" type="datetimeFigureOut">
+            <a:fld id="{855DCD4B-BC4C-4229-86ED-0BF7D8B0194F}" type="datetimeFigureOut">
               <a:rPr lang="en-US"/>
               <a:pPr>
                 <a:defRPr/>
               </a:pPr>
-              <a:t>4/9/2010</a:t>
+              <a:t>4/11/2010</a:t>
             </a:fld>
             <a:endParaRPr lang="en-US" dirty="0"/>
           </a:p>
@@ -7846,7 +7741,7 @@
             <a:pPr>
               <a:defRPr/>
             </a:pPr>
-            <a:fld id="{1D015A67-F595-4F77-9D80-88E8D62D3728}" type="slidenum">
+            <a:fld id="{790FE7D8-FFA4-4593-8776-7223A1EFFD40}" type="slidenum">
               <a:rPr lang="en-US"/>
               <a:pPr>
                 <a:defRPr/>
@@ -7904,12 +7799,12 @@
             <a:pPr>
               <a:defRPr/>
             </a:pPr>
-            <a:fld id="{3DC61D7B-4C18-4257-9678-B70902B848B9}" type="datetimeFigureOut">
+            <a:fld id="{81692B0E-976E-4183-B05E-048850D52E96}" type="datetimeFigureOut">
               <a:rPr lang="en-US"/>
               <a:pPr>
                 <a:defRPr/>
               </a:pPr>
-              <a:t>4/9/2010</a:t>
+              <a:t>4/11/2010</a:t>
             </a:fld>
             <a:endParaRPr lang="en-US" dirty="0"/>
           </a:p>
@@ -7963,7 +7858,7 @@
             <a:pPr>
               <a:defRPr/>
             </a:pPr>
-            <a:fld id="{D8DBB37A-4406-4E68-A906-4CE4798E63A3}" type="slidenum">
+            <a:fld id="{CA8895AC-9195-41B9-A34D-50274B96C417}" type="slidenum">
               <a:rPr lang="en-US"/>
               <a:pPr>
                 <a:defRPr/>
@@ -8192,12 +8087,12 @@
             <a:pPr>
               <a:defRPr/>
             </a:pPr>
-            <a:fld id="{2EE9BA53-F131-40F6-9D99-F1E73F8C41B5}" type="datetimeFigureOut">
+            <a:fld id="{31849A5B-7B62-41FD-A408-238645092E7D}" type="datetimeFigureOut">
               <a:rPr lang="en-US"/>
               <a:pPr>
                 <a:defRPr/>
               </a:pPr>
-              <a:t>4/9/2010</a:t>
+              <a:t>4/11/2010</a:t>
             </a:fld>
             <a:endParaRPr lang="en-US" dirty="0"/>
           </a:p>
@@ -8251,7 +8146,7 @@
             <a:pPr>
               <a:defRPr/>
             </a:pPr>
-            <a:fld id="{3318C739-6366-4407-ACBE-C8118A059575}" type="slidenum">
+            <a:fld id="{CBE35EFE-D1AC-49C4-9E6E-DCB8CD053A7F}" type="slidenum">
               <a:rPr lang="en-US"/>
               <a:pPr>
                 <a:defRPr/>
@@ -8834,12 +8729,12 @@
             <a:pPr>
               <a:defRPr/>
             </a:pPr>
-            <a:fld id="{DE7F1702-A960-416C-9951-F3449A3C89C6}" type="datetimeFigureOut">
+            <a:fld id="{FBFAC966-EF58-457C-B3DD-D7060A72FC24}" type="datetimeFigureOut">
               <a:rPr lang="en-US"/>
               <a:pPr>
                 <a:defRPr/>
               </a:pPr>
-              <a:t>4/9/2010</a:t>
+              <a:t>4/11/2010</a:t>
             </a:fld>
             <a:endParaRPr lang="en-US"/>
           </a:p>
@@ -8898,7 +8793,7 @@
             <a:pPr>
               <a:defRPr/>
             </a:pPr>
-            <a:fld id="{CB58B80E-9056-4229-9056-379F576AC743}" type="slidenum">
+            <a:fld id="{7F83CB1B-EFCD-45B5-8F42-20551E410953}" type="slidenum">
               <a:rPr lang="en-US"/>
               <a:pPr>
                 <a:defRPr/>
@@ -9031,12 +8926,12 @@
             <a:pPr>
               <a:defRPr/>
             </a:pPr>
-            <a:fld id="{11E25B1F-300C-46FC-B3F8-354167B148A8}" type="datetimeFigureOut">
+            <a:fld id="{664C1A6D-C9BD-4FFC-BAA6-C80876D6405F}" type="datetimeFigureOut">
               <a:rPr lang="en-US"/>
               <a:pPr>
                 <a:defRPr/>
               </a:pPr>
-              <a:t>4/9/2010</a:t>
+              <a:t>4/11/2010</a:t>
             </a:fld>
             <a:endParaRPr lang="en-US" dirty="0"/>
           </a:p>
@@ -9090,7 +8985,7 @@
             <a:pPr>
               <a:defRPr/>
             </a:pPr>
-            <a:fld id="{61442F91-5A79-470E-9CAE-7B9A832FE799}" type="slidenum">
+            <a:fld id="{B047F28E-AF2F-4668-B50F-D88A549B151F}" type="slidenum">
               <a:rPr lang="en-US"/>
               <a:pPr>
                 <a:defRPr/>
@@ -9370,12 +9265,12 @@
             <a:pPr>
               <a:defRPr/>
             </a:pPr>
-            <a:fld id="{87C4F4CE-9FF6-4F0D-A33D-0A546B2321C7}" type="datetimeFigureOut">
+            <a:fld id="{8CFA91B2-6DD5-4600-A7B7-14F5FEBEC19F}" type="datetimeFigureOut">
               <a:rPr lang="en-US"/>
               <a:pPr>
                 <a:defRPr/>
               </a:pPr>
-              <a:t>4/9/2010</a:t>
+              <a:t>4/11/2010</a:t>
             </a:fld>
             <a:endParaRPr lang="en-US" dirty="0"/>
           </a:p>
@@ -9429,7 +9324,7 @@
             <a:pPr>
               <a:defRPr/>
             </a:pPr>
-            <a:fld id="{EBB95C96-A89E-49BE-A8B3-2D8CAA7F166C}" type="slidenum">
+            <a:fld id="{DA840A27-DDFF-4664-9109-74162A6C8DBB}" type="slidenum">
               <a:rPr lang="en-US"/>
               <a:pPr>
                 <a:defRPr/>
@@ -10571,12 +10466,12 @@
             <a:pPr>
               <a:defRPr/>
             </a:pPr>
-            <a:fld id="{B2306294-70E6-4CA1-89BF-FD4F18975361}" type="datetimeFigureOut">
+            <a:fld id="{E84B8669-B41D-4EC2-BD0A-9B8996289741}" type="datetimeFigureOut">
               <a:rPr lang="en-US"/>
               <a:pPr>
                 <a:defRPr/>
               </a:pPr>
-              <a:t>4/9/2010</a:t>
+              <a:t>4/11/2010</a:t>
             </a:fld>
             <a:endParaRPr lang="en-US" dirty="0"/>
           </a:p>
@@ -10611,7 +10506,7 @@
               <a:spcAft>
                 <a:spcPts val="0"/>
               </a:spcAft>
-              <a:defRPr dirty="0">
+              <a:defRPr>
                 <a:latin typeface="+mn-lt"/>
               </a:defRPr>
             </a:lvl1pPr>
@@ -10662,7 +10557,7 @@
             <a:pPr>
               <a:defRPr/>
             </a:pPr>
-            <a:fld id="{481CB98A-E361-4AC9-B39A-227D562957F6}" type="slidenum">
+            <a:fld id="{728C324F-EBF0-4C6E-BC4B-03D75FD2B152}" type="slidenum">
               <a:rPr lang="en-US"/>
               <a:pPr>
                 <a:defRPr/>
@@ -10827,18 +10722,18 @@
   <p:clrMap bg1="lt1" tx1="dk1" bg2="lt2" tx2="dk2" accent1="accent1" accent2="accent2" accent3="accent3" accent4="accent4" accent5="accent5" accent6="accent6" hlink="hlink" folHlink="folHlink"/>
   <p:sldLayoutIdLst>
     <p:sldLayoutId id="2147483693" r:id="rId1"/>
-    <p:sldLayoutId id="2147483694" r:id="rId2"/>
-    <p:sldLayoutId id="2147483695" r:id="rId3"/>
-    <p:sldLayoutId id="2147483696" r:id="rId4"/>
-    <p:sldLayoutId id="2147483697" r:id="rId5"/>
-    <p:sldLayoutId id="2147483698" r:id="rId6"/>
-    <p:sldLayoutId id="2147483699" r:id="rId7"/>
-    <p:sldLayoutId id="2147483700" r:id="rId8"/>
-    <p:sldLayoutId id="2147483701" r:id="rId9"/>
+    <p:sldLayoutId id="2147483680" r:id="rId2"/>
+    <p:sldLayoutId id="2147483681" r:id="rId3"/>
+    <p:sldLayoutId id="2147483682" r:id="rId4"/>
+    <p:sldLayoutId id="2147483683" r:id="rId5"/>
+    <p:sldLayoutId id="2147483694" r:id="rId6"/>
+    <p:sldLayoutId id="2147483684" r:id="rId7"/>
+    <p:sldLayoutId id="2147483695" r:id="rId8"/>
+    <p:sldLayoutId id="2147483696" r:id="rId9"/>
   </p:sldLayoutIdLst>
   <p:txStyles>
     <p:titleStyle>
-      <a:lvl1pPr algn="l" rtl="0" fontAlgn="base">
+      <a:lvl1pPr algn="l" rtl="0" eaLnBrk="0" fontAlgn="base" hangingPunct="0">
         <a:spcBef>
           <a:spcPct val="0"/>
         </a:spcBef>
@@ -10854,7 +10749,7 @@
           <a:cs typeface="+mj-cs"/>
         </a:defRPr>
       </a:lvl1pPr>
-      <a:lvl2pPr algn="l" rtl="0" fontAlgn="base">
+      <a:lvl2pPr algn="l" rtl="0" eaLnBrk="0" fontAlgn="base" hangingPunct="0">
         <a:spcBef>
           <a:spcPct val="0"/>
         </a:spcBef>
@@ -10868,7 +10763,7 @@
           <a:latin typeface="Avenir LT Std 45 Book"/>
         </a:defRPr>
       </a:lvl2pPr>
-      <a:lvl3pPr algn="l" rtl="0" fontAlgn="base">
+      <a:lvl3pPr algn="l" rtl="0" eaLnBrk="0" fontAlgn="base" hangingPunct="0">
         <a:spcBef>
           <a:spcPct val="0"/>
         </a:spcBef>
@@ -10882,7 +10777,7 @@
           <a:latin typeface="Avenir LT Std 45 Book"/>
         </a:defRPr>
       </a:lvl3pPr>
-      <a:lvl4pPr algn="l" rtl="0" fontAlgn="base">
+      <a:lvl4pPr algn="l" rtl="0" eaLnBrk="0" fontAlgn="base" hangingPunct="0">
         <a:spcBef>
           <a:spcPct val="0"/>
         </a:spcBef>
@@ -10896,7 +10791,7 @@
           <a:latin typeface="Avenir LT Std 45 Book"/>
         </a:defRPr>
       </a:lvl4pPr>
-      <a:lvl5pPr algn="l" rtl="0" fontAlgn="base">
+      <a:lvl5pPr algn="l" rtl="0" eaLnBrk="0" fontAlgn="base" hangingPunct="0">
         <a:spcBef>
           <a:spcPct val="0"/>
         </a:spcBef>
@@ -10968,7 +10863,7 @@
       </a:lvl9pPr>
     </p:titleStyle>
     <p:bodyStyle>
-      <a:lvl1pPr marL="342900" indent="-342900" algn="l" rtl="0" fontAlgn="base">
+      <a:lvl1pPr marL="342900" indent="-342900" algn="l" rtl="0" eaLnBrk="0" fontAlgn="base" hangingPunct="0">
         <a:spcBef>
           <a:spcPct val="20000"/>
         </a:spcBef>
@@ -10985,7 +10880,7 @@
           <a:cs typeface="+mn-cs"/>
         </a:defRPr>
       </a:lvl1pPr>
-      <a:lvl2pPr marL="742950" indent="-285750" algn="l" rtl="0" fontAlgn="base">
+      <a:lvl2pPr marL="742950" indent="-285750" algn="l" rtl="0" eaLnBrk="0" fontAlgn="base" hangingPunct="0">
         <a:spcBef>
           <a:spcPct val="20000"/>
         </a:spcBef>
@@ -11000,7 +10895,7 @@
           <a:latin typeface="+mn-lt"/>
         </a:defRPr>
       </a:lvl2pPr>
-      <a:lvl3pPr marL="1143000" indent="-228600" algn="l" rtl="0" fontAlgn="base">
+      <a:lvl3pPr marL="1143000" indent="-228600" algn="l" rtl="0" eaLnBrk="0" fontAlgn="base" hangingPunct="0">
         <a:spcBef>
           <a:spcPct val="20000"/>
         </a:spcBef>
@@ -11015,7 +10910,7 @@
           <a:latin typeface="+mn-lt"/>
         </a:defRPr>
       </a:lvl3pPr>
-      <a:lvl4pPr marL="1600200" indent="-228600" algn="l" rtl="0" fontAlgn="base">
+      <a:lvl4pPr marL="1600200" indent="-228600" algn="l" rtl="0" eaLnBrk="0" fontAlgn="base" hangingPunct="0">
         <a:spcBef>
           <a:spcPct val="20000"/>
         </a:spcBef>
@@ -11030,7 +10925,7 @@
           <a:latin typeface="+mn-lt"/>
         </a:defRPr>
       </a:lvl4pPr>
-      <a:lvl5pPr marL="2057400" indent="-228600" algn="l" rtl="0" fontAlgn="base">
+      <a:lvl5pPr marL="2057400" indent="-228600" algn="l" rtl="0" eaLnBrk="0" fontAlgn="base" hangingPunct="0">
         <a:spcBef>
           <a:spcPct val="20000"/>
         </a:spcBef>
@@ -11630,7 +11525,7 @@
               <a:spcAft>
                 <a:spcPts val="0"/>
               </a:spcAft>
-              <a:defRPr kumimoji="0" sz="1200" smtClean="0">
+              <a:defRPr kumimoji="0" sz="1200">
                 <a:solidFill>
                   <a:schemeClr val="tx2">
                     <a:shade val="90000"/>
@@ -11644,12 +11539,12 @@
             <a:pPr>
               <a:defRPr/>
             </a:pPr>
-            <a:fld id="{7B9C1907-F449-4EC3-BEC3-2C69A005DAAA}" type="datetimeFigureOut">
+            <a:fld id="{0D666AC4-ADE0-48FE-9239-CAA01565B3A6}" type="datetimeFigureOut">
               <a:rPr lang="en-US"/>
               <a:pPr>
                 <a:defRPr/>
               </a:pPr>
-              <a:t>4/9/2010</a:t>
+              <a:t>4/11/2010</a:t>
             </a:fld>
             <a:endParaRPr lang="en-US" dirty="0"/>
           </a:p>
@@ -11684,7 +11579,7 @@
               <a:spcAft>
                 <a:spcPts val="0"/>
               </a:spcAft>
-              <a:defRPr kumimoji="0" sz="1200" dirty="0">
+              <a:defRPr kumimoji="0" sz="1200">
                 <a:solidFill>
                   <a:schemeClr val="tx2">
                     <a:shade val="90000"/>
@@ -11731,7 +11626,7 @@
               <a:spcAft>
                 <a:spcPts val="0"/>
               </a:spcAft>
-              <a:defRPr kumimoji="0" sz="1200" smtClean="0">
+              <a:defRPr kumimoji="0" sz="1200">
                 <a:solidFill>
                   <a:schemeClr val="tx2">
                     <a:shade val="90000"/>
@@ -11745,7 +11640,7 @@
             <a:pPr>
               <a:defRPr/>
             </a:pPr>
-            <a:fld id="{2626EBCF-3002-4852-9051-93803503BF13}" type="slidenum">
+            <a:fld id="{A2C3D187-6AEF-4EC5-B624-05DD4E70EAF0}" type="slidenum">
               <a:rPr lang="en-US"/>
               <a:pPr>
                 <a:defRPr/>
@@ -11998,23 +11893,23 @@
   </p:cSld>
   <p:clrMap bg1="lt1" tx1="dk1" bg2="lt2" tx2="dk2" accent1="accent1" accent2="accent2" accent3="accent3" accent4="accent4" accent5="accent5" accent6="accent6" hlink="hlink" folHlink="folHlink"/>
   <p:sldLayoutIdLst>
-    <p:sldLayoutId id="2147483702" r:id="rId1"/>
+    <p:sldLayoutId id="2147483697" r:id="rId1"/>
     <p:sldLayoutId id="2147483685" r:id="rId2"/>
-    <p:sldLayoutId id="2147483703" r:id="rId3"/>
+    <p:sldLayoutId id="2147483698" r:id="rId3"/>
     <p:sldLayoutId id="2147483686" r:id="rId4"/>
     <p:sldLayoutId id="2147483687" r:id="rId5"/>
     <p:sldLayoutId id="2147483688" r:id="rId6"/>
     <p:sldLayoutId id="2147483689" r:id="rId7"/>
     <p:sldLayoutId id="2147483690" r:id="rId8"/>
-    <p:sldLayoutId id="2147483704" r:id="rId9"/>
+    <p:sldLayoutId id="2147483699" r:id="rId9"/>
     <p:sldLayoutId id="2147483691" r:id="rId10"/>
     <p:sldLayoutId id="2147483692" r:id="rId11"/>
-    <p:sldLayoutId id="2147483705" r:id="rId12"/>
-    <p:sldLayoutId id="2147483706" r:id="rId13"/>
+    <p:sldLayoutId id="2147483700" r:id="rId12"/>
+    <p:sldLayoutId id="2147483701" r:id="rId13"/>
   </p:sldLayoutIdLst>
   <p:txStyles>
     <p:titleStyle>
-      <a:lvl1pPr algn="l" rtl="0" fontAlgn="base">
+      <a:lvl1pPr algn="l" rtl="0" eaLnBrk="0" fontAlgn="base" hangingPunct="0">
         <a:spcBef>
           <a:spcPct val="0"/>
         </a:spcBef>
@@ -12030,7 +11925,7 @@
           <a:cs typeface="+mj-cs"/>
         </a:defRPr>
       </a:lvl1pPr>
-      <a:lvl2pPr algn="l" rtl="0" fontAlgn="base">
+      <a:lvl2pPr algn="l" rtl="0" eaLnBrk="0" fontAlgn="base" hangingPunct="0">
         <a:spcBef>
           <a:spcPct val="0"/>
         </a:spcBef>
@@ -12044,7 +11939,7 @@
           <a:latin typeface="Calibri" pitchFamily="34" charset="0"/>
         </a:defRPr>
       </a:lvl2pPr>
-      <a:lvl3pPr algn="l" rtl="0" fontAlgn="base">
+      <a:lvl3pPr algn="l" rtl="0" eaLnBrk="0" fontAlgn="base" hangingPunct="0">
         <a:spcBef>
           <a:spcPct val="0"/>
         </a:spcBef>
@@ -12058,7 +11953,7 @@
           <a:latin typeface="Calibri" pitchFamily="34" charset="0"/>
         </a:defRPr>
       </a:lvl3pPr>
-      <a:lvl4pPr algn="l" rtl="0" fontAlgn="base">
+      <a:lvl4pPr algn="l" rtl="0" eaLnBrk="0" fontAlgn="base" hangingPunct="0">
         <a:spcBef>
           <a:spcPct val="0"/>
         </a:spcBef>
@@ -12072,7 +11967,7 @@
           <a:latin typeface="Calibri" pitchFamily="34" charset="0"/>
         </a:defRPr>
       </a:lvl4pPr>
-      <a:lvl5pPr algn="l" rtl="0" fontAlgn="base">
+      <a:lvl5pPr algn="l" rtl="0" eaLnBrk="0" fontAlgn="base" hangingPunct="0">
         <a:spcBef>
           <a:spcPct val="0"/>
         </a:spcBef>
@@ -12144,7 +12039,7 @@
       </a:lvl9pPr>
     </p:titleStyle>
     <p:bodyStyle>
-      <a:lvl1pPr marL="273050" indent="-273050" algn="l" rtl="0" fontAlgn="base">
+      <a:lvl1pPr marL="273050" indent="-273050" algn="l" rtl="0" eaLnBrk="0" fontAlgn="base" hangingPunct="0">
         <a:spcBef>
           <a:spcPct val="20000"/>
         </a:spcBef>
@@ -12166,7 +12061,7 @@
           <a:cs typeface="+mn-cs"/>
         </a:defRPr>
       </a:lvl1pPr>
-      <a:lvl2pPr marL="639763" indent="-246063" algn="l" rtl="0" fontAlgn="base">
+      <a:lvl2pPr marL="639763" indent="-246063" algn="l" rtl="0" eaLnBrk="0" fontAlgn="base" hangingPunct="0">
         <a:spcBef>
           <a:spcPct val="20000"/>
         </a:spcBef>
@@ -12188,7 +12083,7 @@
           <a:cs typeface="+mn-cs"/>
         </a:defRPr>
       </a:lvl2pPr>
-      <a:lvl3pPr marL="914400" indent="-246063" algn="l" rtl="0" fontAlgn="base">
+      <a:lvl3pPr marL="914400" indent="-246063" algn="l" rtl="0" eaLnBrk="0" fontAlgn="base" hangingPunct="0">
         <a:spcBef>
           <a:spcPct val="20000"/>
         </a:spcBef>
@@ -12210,7 +12105,7 @@
           <a:cs typeface="+mn-cs"/>
         </a:defRPr>
       </a:lvl3pPr>
-      <a:lvl4pPr marL="1187450" indent="-209550" algn="l" rtl="0" fontAlgn="base">
+      <a:lvl4pPr marL="1187450" indent="-209550" algn="l" rtl="0" eaLnBrk="0" fontAlgn="base" hangingPunct="0">
         <a:spcBef>
           <a:spcPct val="20000"/>
         </a:spcBef>
@@ -12232,7 +12127,7 @@
           <a:cs typeface="+mn-cs"/>
         </a:defRPr>
       </a:lvl4pPr>
-      <a:lvl5pPr marL="1462088" indent="-209550" algn="l" rtl="0" fontAlgn="base">
+      <a:lvl5pPr marL="1462088" indent="-209550" algn="l" rtl="0" eaLnBrk="0" fontAlgn="base" hangingPunct="0">
         <a:spcBef>
           <a:spcPct val="20000"/>
         </a:spcBef>
@@ -12456,7 +12351,7 @@
           <a:bodyPr/>
           <a:lstStyle/>
           <a:p>
-            <a:pPr fontAlgn="auto">
+            <a:pPr eaLnBrk="1" fontAlgn="auto" hangingPunct="1">
               <a:spcAft>
                 <a:spcPts val="0"/>
               </a:spcAft>
@@ -12494,14 +12389,14 @@
           <a:bodyPr/>
           <a:lstStyle/>
           <a:p>
-            <a:pPr marR="0"/>
+            <a:pPr marR="0" eaLnBrk="1" hangingPunct="1"/>
             <a:r>
               <a:rPr lang="en-US" smtClean="0"/>
               <a:t>Keith Dahlby</a:t>
             </a:r>
           </a:p>
           <a:p>
-            <a:pPr marR="0"/>
+            <a:pPr marR="0" eaLnBrk="1" hangingPunct="1"/>
             <a:r>
               <a:rPr lang="en-US" smtClean="0">
                 <a:hlinkClick r:id="rId3"/>
@@ -12511,7 +12406,7 @@
             <a:endParaRPr lang="en-US" smtClean="0"/>
           </a:p>
           <a:p>
-            <a:pPr marR="0"/>
+            <a:pPr marR="0" eaLnBrk="1" hangingPunct="1"/>
             <a:r>
               <a:rPr lang="en-US" smtClean="0">
                 <a:hlinkClick r:id="rId4"/>
@@ -13019,6 +12914,7 @@
           <a:bodyPr/>
           <a:lstStyle/>
           <a:p>
+            <a:pPr eaLnBrk="1" hangingPunct="1"/>
             <a:r>
               <a:rPr lang="en-US" smtClean="0"/>
               <a:t>.NET Dynamic Programming</a:t>
@@ -14978,6 +14874,7 @@
           <a:bodyPr/>
           <a:lstStyle/>
           <a:p>
+            <a:pPr eaLnBrk="1" hangingPunct="1"/>
             <a:r>
               <a:rPr lang="en-US" smtClean="0"/>
               <a:t>Dynamically Typed Objects</a:t>
@@ -15778,7 +15675,6 @@
               <a:rPr lang="en-US" dirty="0"/>
               <a:t> typed to be dynamic</a:t>
             </a:r>
-            <a:endParaRPr lang="en-US" dirty="0"/>
           </a:p>
         </p:txBody>
       </p:sp>
@@ -15832,7 +15728,6 @@
               <a:rPr lang="en-US" dirty="0"/>
               <a:t>Dynamic method invocation</a:t>
             </a:r>
-            <a:endParaRPr lang="en-US" dirty="0"/>
           </a:p>
         </p:txBody>
       </p:sp>
@@ -15886,7 +15781,6 @@
               <a:rPr lang="en-US" dirty="0"/>
               <a:t>Dynamic conversion</a:t>
             </a:r>
-            <a:endParaRPr lang="en-US" dirty="0"/>
           </a:p>
         </p:txBody>
       </p:sp>
@@ -16273,578 +16167,6 @@
       </p:grpSpPr>
       <p:sp>
         <p:nvSpPr>
-          <p:cNvPr id="47105" name="Text Placeholder 6"/>
-          <p:cNvSpPr>
-            <a:spLocks noGrp="1"/>
-          </p:cNvSpPr>
-          <p:nvPr>
-            <p:ph type="body" sz="quarter" idx="10"/>
-          </p:nvPr>
-        </p:nvSpPr>
-        <p:spPr>
-          <a:xfrm>
-            <a:off x="730250" y="4956175"/>
-            <a:ext cx="7672388" cy="1597025"/>
-          </a:xfrm>
-        </p:spPr>
-        <p:txBody>
-          <a:bodyPr/>
-          <a:lstStyle/>
-          <a:p>
-            <a:r>
-              <a:rPr lang="en-US" sz="2800" smtClean="0"/>
-              <a:t>When operand(s) are </a:t>
-            </a:r>
-            <a:r>
-              <a:rPr lang="en-US" sz="2800" b="1" i="1" smtClean="0"/>
-              <a:t>dynamic</a:t>
-            </a:r>
-            <a:r>
-              <a:rPr lang="en-US" sz="2800" smtClean="0"/>
-              <a:t>…</a:t>
-            </a:r>
-            <a:endParaRPr lang="en-US" sz="2800" smtClean="0">
-              <a:sym typeface="Wingdings" pitchFamily="2" charset="2"/>
-            </a:endParaRPr>
-          </a:p>
-          <a:p>
-            <a:pPr lvl="1"/>
-            <a:r>
-              <a:rPr lang="en-US" sz="2200" smtClean="0"/>
-              <a:t>Member selection deferred to run-time</a:t>
-            </a:r>
-          </a:p>
-          <a:p>
-            <a:pPr lvl="1"/>
-            <a:r>
-              <a:rPr lang="en-US" smtClean="0"/>
-              <a:t>At run-time, actual type(s) substituted for </a:t>
-            </a:r>
-            <a:r>
-              <a:rPr lang="en-US" b="1" i="1" smtClean="0"/>
-              <a:t>dynamic</a:t>
-            </a:r>
-          </a:p>
-          <a:p>
-            <a:pPr lvl="1"/>
-            <a:r>
-              <a:rPr lang="en-US" smtClean="0"/>
-              <a:t>Static result type of operation is </a:t>
-            </a:r>
-            <a:r>
-              <a:rPr lang="en-US" b="1" i="1" smtClean="0"/>
-              <a:t>dynamic</a:t>
-            </a:r>
-          </a:p>
-          <a:p>
-            <a:endParaRPr lang="en-US" sz="2400" smtClean="0"/>
-          </a:p>
-        </p:txBody>
-      </p:sp>
-      <p:sp>
-        <p:nvSpPr>
-          <p:cNvPr id="47106" name="Title 1"/>
-          <p:cNvSpPr>
-            <a:spLocks noGrp="1"/>
-          </p:cNvSpPr>
-          <p:nvPr>
-            <p:ph type="title"/>
-          </p:nvPr>
-        </p:nvSpPr>
-        <p:spPr>
-          <a:xfrm>
-            <a:off x="387350" y="990600"/>
-            <a:ext cx="8375650" cy="609600"/>
-          </a:xfrm>
-        </p:spPr>
-        <p:txBody>
-          <a:bodyPr/>
-          <a:lstStyle/>
-          <a:p>
-            <a:r>
-              <a:rPr lang="en-US" smtClean="0"/>
-              <a:t>Dynamically Typed Objects</a:t>
-            </a:r>
-          </a:p>
-        </p:txBody>
-      </p:sp>
-      <p:sp>
-        <p:nvSpPr>
-          <p:cNvPr id="3" name="TextBox 2"/>
-          <p:cNvSpPr txBox="1"/>
-          <p:nvPr/>
-        </p:nvSpPr>
-        <p:spPr>
-          <a:xfrm>
-            <a:off x="2133600" y="3687763"/>
-            <a:ext cx="4724400" cy="923925"/>
-          </a:xfrm>
-          <a:prstGeom prst="rect">
-            <a:avLst/>
-          </a:prstGeom>
-          <a:solidFill>
-            <a:srgbClr val="FFFF99"/>
-          </a:solidFill>
-        </p:spPr>
-        <p:style>
-          <a:lnRef idx="1">
-            <a:schemeClr val="dk1"/>
-          </a:lnRef>
-          <a:fillRef idx="2">
-            <a:schemeClr val="dk1"/>
-          </a:fillRef>
-          <a:effectRef idx="1">
-            <a:schemeClr val="dk1"/>
-          </a:effectRef>
-          <a:fontRef idx="minor">
-            <a:schemeClr val="dk1"/>
-          </a:fontRef>
-        </p:style>
-        <p:txBody>
-          <a:bodyPr lIns="182880" tIns="91440" rIns="182880" bIns="91440">
-            <a:spAutoFit/>
-          </a:bodyPr>
-          <a:lstStyle/>
-          <a:p>
-            <a:pPr fontAlgn="auto">
-              <a:spcBef>
-                <a:spcPts val="0"/>
-              </a:spcBef>
-              <a:spcAft>
-                <a:spcPts val="0"/>
-              </a:spcAft>
-              <a:defRPr/>
-            </a:pPr>
-            <a:r>
-              <a:rPr lang="en-US" sz="1600" dirty="0">
-                <a:solidFill>
-                  <a:srgbClr val="0000FF"/>
-                </a:solidFill>
-                <a:latin typeface="Consolas" pitchFamily="49" charset="0"/>
-                <a:ea typeface="Calibri"/>
-                <a:cs typeface="Times New Roman"/>
-              </a:rPr>
-              <a:t>dynamic</a:t>
-            </a:r>
-            <a:r>
-              <a:rPr lang="en-US" sz="1600" dirty="0">
-                <a:latin typeface="Consolas" pitchFamily="49" charset="0"/>
-              </a:rPr>
-              <a:t> x = 1;</a:t>
-            </a:r>
-          </a:p>
-          <a:p>
-            <a:pPr fontAlgn="auto">
-              <a:spcBef>
-                <a:spcPts val="0"/>
-              </a:spcBef>
-              <a:spcAft>
-                <a:spcPts val="0"/>
-              </a:spcAft>
-              <a:defRPr/>
-            </a:pPr>
-            <a:r>
-              <a:rPr lang="en-US" sz="1600" dirty="0">
-                <a:solidFill>
-                  <a:srgbClr val="0000FF"/>
-                </a:solidFill>
-                <a:latin typeface="Consolas" pitchFamily="49" charset="0"/>
-                <a:ea typeface="Calibri"/>
-                <a:cs typeface="Times New Roman"/>
-              </a:rPr>
-              <a:t>dynamic</a:t>
-            </a:r>
-            <a:r>
-              <a:rPr lang="en-US" sz="1600" dirty="0">
-                <a:latin typeface="Consolas" pitchFamily="49" charset="0"/>
-              </a:rPr>
-              <a:t> y = </a:t>
-            </a:r>
-            <a:r>
-              <a:rPr lang="en-US" sz="1600" dirty="0">
-                <a:solidFill>
-                  <a:srgbClr val="A31515"/>
-                </a:solidFill>
-                <a:latin typeface="Consolas" pitchFamily="49" charset="0"/>
-              </a:rPr>
-              <a:t>"Hello"</a:t>
-            </a:r>
-            <a:r>
-              <a:rPr lang="en-US" sz="1600" dirty="0">
-                <a:latin typeface="Consolas" pitchFamily="49" charset="0"/>
-              </a:rPr>
-              <a:t>;</a:t>
-            </a:r>
-          </a:p>
-          <a:p>
-            <a:pPr fontAlgn="auto">
-              <a:spcBef>
-                <a:spcPts val="0"/>
-              </a:spcBef>
-              <a:spcAft>
-                <a:spcPts val="0"/>
-              </a:spcAft>
-              <a:defRPr/>
-            </a:pPr>
-            <a:r>
-              <a:rPr lang="en-US" sz="1600" dirty="0">
-                <a:solidFill>
-                  <a:srgbClr val="0000FF"/>
-                </a:solidFill>
-                <a:latin typeface="Consolas" pitchFamily="49" charset="0"/>
-                <a:ea typeface="Calibri"/>
-                <a:cs typeface="Times New Roman"/>
-              </a:rPr>
-              <a:t>dynamic</a:t>
-            </a:r>
-            <a:r>
-              <a:rPr lang="en-US" sz="1600" dirty="0">
-                <a:latin typeface="Consolas" pitchFamily="49" charset="0"/>
-              </a:rPr>
-              <a:t> z = </a:t>
-            </a:r>
-            <a:r>
-              <a:rPr lang="en-US" sz="1600" dirty="0">
-                <a:solidFill>
-                  <a:srgbClr val="0000FF"/>
-                </a:solidFill>
-                <a:latin typeface="Consolas" pitchFamily="49" charset="0"/>
-                <a:ea typeface="Calibri"/>
-                <a:cs typeface="Times New Roman"/>
-              </a:rPr>
-              <a:t>new</a:t>
-            </a:r>
-            <a:r>
-              <a:rPr lang="en-US" sz="1600" dirty="0">
-                <a:latin typeface="Consolas" pitchFamily="49" charset="0"/>
-              </a:rPr>
-              <a:t> </a:t>
-            </a:r>
-            <a:r>
-              <a:rPr lang="en-US" sz="1600" dirty="0">
-                <a:solidFill>
-                  <a:srgbClr val="2B91AF"/>
-                </a:solidFill>
-                <a:latin typeface="Consolas" pitchFamily="49" charset="0"/>
-                <a:ea typeface="Calibri"/>
-                <a:cs typeface="Times New Roman"/>
-              </a:rPr>
-              <a:t>List</a:t>
-            </a:r>
-            <a:r>
-              <a:rPr lang="en-US" sz="1600" dirty="0">
-                <a:latin typeface="Consolas" pitchFamily="49" charset="0"/>
-              </a:rPr>
-              <a:t>&lt;</a:t>
-            </a:r>
-            <a:r>
-              <a:rPr lang="en-US" sz="1600" dirty="0" err="1">
-                <a:solidFill>
-                  <a:srgbClr val="0000FF"/>
-                </a:solidFill>
-                <a:latin typeface="Consolas" pitchFamily="49" charset="0"/>
-                <a:ea typeface="Calibri"/>
-                <a:cs typeface="Times New Roman"/>
-              </a:rPr>
-              <a:t>int</a:t>
-            </a:r>
-            <a:r>
-              <a:rPr lang="en-US" sz="1600" dirty="0">
-                <a:latin typeface="Consolas" pitchFamily="49" charset="0"/>
-              </a:rPr>
-              <a:t>&gt; { 1, 2, 3 };</a:t>
-            </a:r>
-          </a:p>
-        </p:txBody>
-      </p:sp>
-      <p:sp>
-        <p:nvSpPr>
-          <p:cNvPr id="15" name="Rounded Rectangular Callout 14"/>
-          <p:cNvSpPr/>
-          <p:nvPr/>
-        </p:nvSpPr>
-        <p:spPr>
-          <a:xfrm>
-            <a:off x="838200" y="2240340"/>
-            <a:ext cx="2362200" cy="762000"/>
-          </a:xfrm>
-          <a:prstGeom prst="wedgeRoundRectCallout">
-            <a:avLst>
-              <a:gd name="adj1" fmla="val 34845"/>
-              <a:gd name="adj2" fmla="val 150077"/>
-              <a:gd name="adj3" fmla="val 16667"/>
-            </a:avLst>
-          </a:prstGeom>
-        </p:spPr>
-        <p:style>
-          <a:lnRef idx="1">
-            <a:schemeClr val="accent4"/>
-          </a:lnRef>
-          <a:fillRef idx="3">
-            <a:schemeClr val="accent4"/>
-          </a:fillRef>
-          <a:effectRef idx="2">
-            <a:schemeClr val="accent4"/>
-          </a:effectRef>
-          <a:fontRef idx="minor">
-            <a:schemeClr val="lt1"/>
-          </a:fontRef>
-        </p:style>
-        <p:txBody>
-          <a:bodyPr anchor="ctr"/>
-          <a:lstStyle/>
-          <a:p>
-            <a:pPr algn="ctr" fontAlgn="auto">
-              <a:spcBef>
-                <a:spcPts val="0"/>
-              </a:spcBef>
-              <a:spcAft>
-                <a:spcPts val="0"/>
-              </a:spcAft>
-              <a:defRPr/>
-            </a:pPr>
-            <a:r>
-              <a:rPr lang="en-US" dirty="0"/>
-              <a:t>Compile-time type</a:t>
-            </a:r>
-            <a:br>
-              <a:rPr lang="en-US" dirty="0"/>
-            </a:br>
-            <a:r>
-              <a:rPr lang="en-US" i="1" dirty="0"/>
-              <a:t>dynamic</a:t>
-            </a:r>
-            <a:endParaRPr lang="en-US" i="1" dirty="0"/>
-          </a:p>
-        </p:txBody>
-      </p:sp>
-      <p:sp>
-        <p:nvSpPr>
-          <p:cNvPr id="16" name="Rounded Rectangular Callout 15"/>
-          <p:cNvSpPr/>
-          <p:nvPr/>
-        </p:nvSpPr>
-        <p:spPr>
-          <a:xfrm>
-            <a:off x="3657600" y="2240340"/>
-            <a:ext cx="2362200" cy="762000"/>
-          </a:xfrm>
-          <a:prstGeom prst="wedgeRoundRectCallout">
-            <a:avLst>
-              <a:gd name="adj1" fmla="val -46633"/>
-              <a:gd name="adj2" fmla="val 149109"/>
-              <a:gd name="adj3" fmla="val 16667"/>
-            </a:avLst>
-          </a:prstGeom>
-        </p:spPr>
-        <p:style>
-          <a:lnRef idx="1">
-            <a:schemeClr val="accent4"/>
-          </a:lnRef>
-          <a:fillRef idx="3">
-            <a:schemeClr val="accent4"/>
-          </a:fillRef>
-          <a:effectRef idx="2">
-            <a:schemeClr val="accent4"/>
-          </a:effectRef>
-          <a:fontRef idx="minor">
-            <a:schemeClr val="lt1"/>
-          </a:fontRef>
-        </p:style>
-        <p:txBody>
-          <a:bodyPr anchor="ctr"/>
-          <a:lstStyle/>
-          <a:p>
-            <a:pPr algn="ctr" fontAlgn="auto">
-              <a:spcBef>
-                <a:spcPts val="0"/>
-              </a:spcBef>
-              <a:spcAft>
-                <a:spcPts val="0"/>
-              </a:spcAft>
-              <a:defRPr/>
-            </a:pPr>
-            <a:r>
-              <a:rPr lang="en-US" dirty="0"/>
-              <a:t>Run-time type</a:t>
-            </a:r>
-            <a:br>
-              <a:rPr lang="en-US" dirty="0"/>
-            </a:br>
-            <a:r>
-              <a:rPr lang="en-US" i="1" dirty="0"/>
-              <a:t>System.Int32</a:t>
-            </a:r>
-            <a:endParaRPr lang="en-US" i="1" dirty="0"/>
-          </a:p>
-        </p:txBody>
-      </p:sp>
-    </p:spTree>
-  </p:cSld>
-  <p:clrMapOvr>
-    <a:masterClrMapping/>
-  </p:clrMapOvr>
-  <p:transition>
-    <p:fade/>
-  </p:transition>
-  <p:timing>
-    <p:tnLst>
-      <p:par>
-        <p:cTn id="1" dur="indefinite" restart="never" nodeType="tmRoot">
-          <p:childTnLst>
-            <p:seq concurrent="1" nextAc="seek">
-              <p:cTn id="2" dur="indefinite" nodeType="mainSeq">
-                <p:childTnLst>
-                  <p:par>
-                    <p:cTn id="3" fill="hold">
-                      <p:stCondLst>
-                        <p:cond delay="indefinite"/>
-                      </p:stCondLst>
-                      <p:childTnLst>
-                        <p:par>
-                          <p:cTn id="4" fill="hold">
-                            <p:stCondLst>
-                              <p:cond delay="0"/>
-                            </p:stCondLst>
-                            <p:childTnLst>
-                              <p:par>
-                                <p:cTn id="5" presetID="10" presetClass="entr" presetSubtype="0" fill="hold" nodeType="clickEffect">
-                                  <p:stCondLst>
-                                    <p:cond delay="0"/>
-                                  </p:stCondLst>
-                                  <p:childTnLst>
-                                    <p:set>
-                                      <p:cBhvr>
-                                        <p:cTn id="6" dur="1" fill="hold">
-                                          <p:stCondLst>
-                                            <p:cond delay="0"/>
-                                          </p:stCondLst>
-                                        </p:cTn>
-                                        <p:tgtEl>
-                                          <p:spTgt spid="15"/>
-                                        </p:tgtEl>
-                                        <p:attrNameLst>
-                                          <p:attrName>style.visibility</p:attrName>
-                                        </p:attrNameLst>
-                                      </p:cBhvr>
-                                      <p:to>
-                                        <p:strVal val="visible"/>
-                                      </p:to>
-                                    </p:set>
-                                    <p:animEffect transition="in" filter="fade">
-                                      <p:cBhvr>
-                                        <p:cTn id="7" dur="500"/>
-                                        <p:tgtEl>
-                                          <p:spTgt spid="15"/>
-                                        </p:tgtEl>
-                                      </p:cBhvr>
-                                    </p:animEffect>
-                                  </p:childTnLst>
-                                </p:cTn>
-                              </p:par>
-                            </p:childTnLst>
-                          </p:cTn>
-                        </p:par>
-                      </p:childTnLst>
-                    </p:cTn>
-                  </p:par>
-                  <p:par>
-                    <p:cTn id="8" fill="hold">
-                      <p:stCondLst>
-                        <p:cond delay="indefinite"/>
-                      </p:stCondLst>
-                      <p:childTnLst>
-                        <p:par>
-                          <p:cTn id="9" fill="hold">
-                            <p:stCondLst>
-                              <p:cond delay="0"/>
-                            </p:stCondLst>
-                            <p:childTnLst>
-                              <p:par>
-                                <p:cTn id="10" presetID="10" presetClass="entr" presetSubtype="0" fill="hold" nodeType="clickEffect">
-                                  <p:stCondLst>
-                                    <p:cond delay="0"/>
-                                  </p:stCondLst>
-                                  <p:childTnLst>
-                                    <p:set>
-                                      <p:cBhvr>
-                                        <p:cTn id="11" dur="1" fill="hold">
-                                          <p:stCondLst>
-                                            <p:cond delay="0"/>
-                                          </p:stCondLst>
-                                        </p:cTn>
-                                        <p:tgtEl>
-                                          <p:spTgt spid="16"/>
-                                        </p:tgtEl>
-                                        <p:attrNameLst>
-                                          <p:attrName>style.visibility</p:attrName>
-                                        </p:attrNameLst>
-                                      </p:cBhvr>
-                                      <p:to>
-                                        <p:strVal val="visible"/>
-                                      </p:to>
-                                    </p:set>
-                                    <p:animEffect transition="in" filter="fade">
-                                      <p:cBhvr>
-                                        <p:cTn id="12" dur="500"/>
-                                        <p:tgtEl>
-                                          <p:spTgt spid="16"/>
-                                        </p:tgtEl>
-                                      </p:cBhvr>
-                                    </p:animEffect>
-                                  </p:childTnLst>
-                                </p:cTn>
-                              </p:par>
-                            </p:childTnLst>
-                          </p:cTn>
-                        </p:par>
-                      </p:childTnLst>
-                    </p:cTn>
-                  </p:par>
-                </p:childTnLst>
-              </p:cTn>
-              <p:prevCondLst>
-                <p:cond evt="onPrev" delay="0">
-                  <p:tgtEl>
-                    <p:sldTgt/>
-                  </p:tgtEl>
-                </p:cond>
-              </p:prevCondLst>
-              <p:nextCondLst>
-                <p:cond evt="onNext" delay="0">
-                  <p:tgtEl>
-                    <p:sldTgt/>
-                  </p:tgtEl>
-                </p:cond>
-              </p:nextCondLst>
-            </p:seq>
-          </p:childTnLst>
-        </p:cTn>
-      </p:par>
-    </p:tnLst>
-  </p:timing>
-</p:sld>
-</file>
-
-<file path=ppt/slides/slide13.xml><?xml version="1.0" encoding="utf-8"?>
-<p:sld xmlns:a="http://schemas.openxmlformats.org/drawingml/2006/main" xmlns:r="http://schemas.openxmlformats.org/officeDocument/2006/relationships" xmlns:p="http://schemas.openxmlformats.org/presentationml/2006/main">
-  <p:cSld>
-    <p:spTree>
-      <p:nvGrpSpPr>
-        <p:cNvPr id="1" name=""/>
-        <p:cNvGrpSpPr/>
-        <p:nvPr/>
-      </p:nvGrpSpPr>
-      <p:grpSpPr>
-        <a:xfrm>
-          <a:off x="0" y="0"/>
-          <a:ext cx="0" cy="0"/>
-          <a:chOff x="0" y="0"/>
-          <a:chExt cx="0" cy="0"/>
-        </a:xfrm>
-      </p:grpSpPr>
-      <p:sp>
-        <p:nvSpPr>
           <p:cNvPr id="12" name="TextBox 11"/>
           <p:cNvSpPr txBox="1"/>
           <p:nvPr/>
@@ -18260,6 +17582,7 @@
           <a:bodyPr/>
           <a:lstStyle/>
           <a:p>
+            <a:pPr eaLnBrk="1" hangingPunct="1"/>
             <a:r>
               <a:rPr lang="en-US" smtClean="0"/>
               <a:t>Dynamically Typed Objects</a:t>
@@ -18631,7 +17954,7 @@
 </p:sld>
 </file>
 
-<file path=ppt/slides/slide14.xml><?xml version="1.0" encoding="utf-8"?>
+<file path=ppt/slides/slide13.xml><?xml version="1.0" encoding="utf-8"?>
 <p:sld xmlns:a="http://schemas.openxmlformats.org/drawingml/2006/main" xmlns:r="http://schemas.openxmlformats.org/officeDocument/2006/relationships" xmlns:p="http://schemas.openxmlformats.org/presentationml/2006/main">
   <p:cSld>
     <p:spTree>
@@ -18668,7 +17991,7 @@
           <a:bodyPr/>
           <a:lstStyle/>
           <a:p>
-            <a:pPr marL="514350" indent="-514350">
+            <a:pPr marL="514350" indent="-514350" eaLnBrk="1" hangingPunct="1">
               <a:buFont typeface="Calibri" pitchFamily="34" charset="0"/>
               <a:buAutoNum type="arabicPeriod"/>
             </a:pPr>
@@ -18693,7 +18016,7 @@
             </a:r>
           </a:p>
           <a:p>
-            <a:pPr marL="514350" indent="-514350">
+            <a:pPr marL="514350" indent="-514350" eaLnBrk="1" hangingPunct="1">
               <a:buFont typeface="Calibri" pitchFamily="34" charset="0"/>
               <a:buAutoNum type="arabicPeriod"/>
             </a:pPr>
@@ -18720,7 +18043,7 @@
             </a:r>
           </a:p>
           <a:p>
-            <a:pPr marL="514350" indent="-514350">
+            <a:pPr marL="514350" indent="-514350" eaLnBrk="1" hangingPunct="1">
               <a:buFont typeface="Calibri" pitchFamily="34" charset="0"/>
               <a:buAutoNum type="arabicPeriod"/>
             </a:pPr>
@@ -18747,7 +18070,7 @@
             </a:r>
           </a:p>
           <a:p>
-            <a:pPr marL="514350" indent="-514350">
+            <a:pPr marL="514350" indent="-514350" eaLnBrk="1" hangingPunct="1">
               <a:buFont typeface="Calibri" pitchFamily="34" charset="0"/>
               <a:buAutoNum type="arabicPeriod"/>
             </a:pPr>
@@ -18776,7 +18099,7 @@
             </a:r>
           </a:p>
           <a:p>
-            <a:pPr marL="514350" indent="-514350">
+            <a:pPr marL="514350" indent="-514350" eaLnBrk="1" hangingPunct="1">
               <a:buFont typeface="Calibri" pitchFamily="34" charset="0"/>
               <a:buAutoNum type="arabicPeriod"/>
             </a:pPr>
@@ -18787,7 +18110,7 @@
             </a:endParaRPr>
           </a:p>
           <a:p>
-            <a:pPr marL="514350" indent="-514350">
+            <a:pPr marL="514350" indent="-514350" eaLnBrk="1" hangingPunct="1">
               <a:buFont typeface="Wingdings 2" pitchFamily="18" charset="2"/>
               <a:buNone/>
             </a:pPr>
@@ -18826,6 +18149,7 @@
           <a:bodyPr/>
           <a:lstStyle/>
           <a:p>
+            <a:pPr eaLnBrk="1" hangingPunct="1"/>
             <a:r>
               <a:rPr lang="en-US" smtClean="0">
                 <a:latin typeface="Consolas" pitchFamily="49" charset="0"/>
@@ -18837,6 +18161,136 @@
             <a:r>
               <a:rPr lang="en-US" smtClean="0"/>
               <a:t> in a Nutshell</a:t>
+            </a:r>
+          </a:p>
+        </p:txBody>
+      </p:sp>
+    </p:spTree>
+  </p:cSld>
+  <p:clrMapOvr>
+    <a:masterClrMapping/>
+  </p:clrMapOvr>
+  <p:transition>
+    <p:fade/>
+  </p:transition>
+  <p:timing>
+    <p:tnLst>
+      <p:par>
+        <p:cTn id="1" dur="indefinite" restart="never" nodeType="tmRoot"/>
+      </p:par>
+    </p:tnLst>
+  </p:timing>
+</p:sld>
+</file>
+
+<file path=ppt/slides/slide14.xml><?xml version="1.0" encoding="utf-8"?>
+<p:sld xmlns:a="http://schemas.openxmlformats.org/drawingml/2006/main" xmlns:r="http://schemas.openxmlformats.org/officeDocument/2006/relationships" xmlns:p="http://schemas.openxmlformats.org/presentationml/2006/main">
+  <p:cSld>
+    <p:spTree>
+      <p:nvGrpSpPr>
+        <p:cNvPr id="1" name=""/>
+        <p:cNvGrpSpPr/>
+        <p:nvPr/>
+      </p:nvGrpSpPr>
+      <p:grpSpPr>
+        <a:xfrm>
+          <a:off x="0" y="0"/>
+          <a:ext cx="0" cy="0"/>
+          <a:chOff x="0" y="0"/>
+          <a:chExt cx="0" cy="0"/>
+        </a:xfrm>
+      </p:grpSpPr>
+      <p:sp>
+        <p:nvSpPr>
+          <p:cNvPr id="52225" name="Text Placeholder 1"/>
+          <p:cNvSpPr>
+            <a:spLocks noGrp="1"/>
+          </p:cNvSpPr>
+          <p:nvPr>
+            <p:ph type="body" sz="quarter" idx="10"/>
+          </p:nvPr>
+        </p:nvSpPr>
+        <p:spPr>
+          <a:xfrm>
+            <a:off x="730250" y="1905000"/>
+            <a:ext cx="7672388" cy="2054225"/>
+          </a:xfrm>
+        </p:spPr>
+        <p:txBody>
+          <a:bodyPr/>
+          <a:lstStyle/>
+          <a:p>
+            <a:pPr eaLnBrk="1" hangingPunct="1">
+              <a:lnSpc>
+                <a:spcPct val="100000"/>
+              </a:lnSpc>
+              <a:spcBef>
+                <a:spcPct val="0"/>
+              </a:spcBef>
+            </a:pPr>
+            <a:r>
+              <a:rPr lang="en-US" sz="3600" smtClean="0"/>
+              <a:t>Dynamic dispatch is not new:</a:t>
+            </a:r>
+          </a:p>
+          <a:p>
+            <a:pPr lvl="1" eaLnBrk="1" hangingPunct="1">
+              <a:lnSpc>
+                <a:spcPct val="100000"/>
+              </a:lnSpc>
+              <a:spcBef>
+                <a:spcPct val="0"/>
+              </a:spcBef>
+            </a:pPr>
+            <a:r>
+              <a:rPr lang="en-US" sz="3600" smtClean="0">
+                <a:latin typeface="Consolas" pitchFamily="49" charset="0"/>
+                <a:ea typeface="Consolas" pitchFamily="49" charset="0"/>
+                <a:cs typeface="Consolas" pitchFamily="49" charset="0"/>
+              </a:rPr>
+              <a:t>Option Strict Off</a:t>
+            </a:r>
+          </a:p>
+          <a:p>
+            <a:pPr eaLnBrk="1" hangingPunct="1">
+              <a:lnSpc>
+                <a:spcPct val="100000"/>
+              </a:lnSpc>
+              <a:spcBef>
+                <a:spcPct val="0"/>
+              </a:spcBef>
+            </a:pPr>
+            <a:r>
+              <a:rPr lang="en-US" sz="3600" smtClean="0"/>
+              <a:t>VBx (10) Uses DLR</a:t>
+            </a:r>
+          </a:p>
+        </p:txBody>
+      </p:sp>
+      <p:sp>
+        <p:nvSpPr>
+          <p:cNvPr id="52226" name="Title 2"/>
+          <p:cNvSpPr>
+            <a:spLocks noGrp="1"/>
+          </p:cNvSpPr>
+          <p:nvPr>
+            <p:ph type="title"/>
+          </p:nvPr>
+        </p:nvSpPr>
+        <p:spPr>
+          <a:xfrm>
+            <a:off x="387350" y="990600"/>
+            <a:ext cx="8375650" cy="769938"/>
+          </a:xfrm>
+        </p:spPr>
+        <p:txBody>
+          <a:bodyPr/>
+          <a:lstStyle/>
+          <a:p>
+            <a:pPr eaLnBrk="1" hangingPunct="1"/>
+            <a:r>
+              <a:rPr lang="en-US" smtClean="0"/>
+              <a:t>Dynamic in Visual Basic 10</a:t>
             </a:r>
           </a:p>
         </p:txBody>
@@ -18878,135 +18332,6 @@
       </p:grpSpPr>
       <p:sp>
         <p:nvSpPr>
-          <p:cNvPr id="52225" name="Text Placeholder 1"/>
-          <p:cNvSpPr>
-            <a:spLocks noGrp="1"/>
-          </p:cNvSpPr>
-          <p:nvPr>
-            <p:ph type="body" sz="quarter" idx="10"/>
-          </p:nvPr>
-        </p:nvSpPr>
-        <p:spPr>
-          <a:xfrm>
-            <a:off x="730250" y="1905000"/>
-            <a:ext cx="7672388" cy="2054225"/>
-          </a:xfrm>
-        </p:spPr>
-        <p:txBody>
-          <a:bodyPr/>
-          <a:lstStyle/>
-          <a:p>
-            <a:pPr>
-              <a:lnSpc>
-                <a:spcPct val="100000"/>
-              </a:lnSpc>
-              <a:spcBef>
-                <a:spcPct val="0"/>
-              </a:spcBef>
-            </a:pPr>
-            <a:r>
-              <a:rPr lang="en-US" sz="3600" smtClean="0"/>
-              <a:t>Dynamic dispatch is not new:</a:t>
-            </a:r>
-          </a:p>
-          <a:p>
-            <a:pPr lvl="1">
-              <a:lnSpc>
-                <a:spcPct val="100000"/>
-              </a:lnSpc>
-              <a:spcBef>
-                <a:spcPct val="0"/>
-              </a:spcBef>
-            </a:pPr>
-            <a:r>
-              <a:rPr lang="en-US" sz="3600" smtClean="0">
-                <a:latin typeface="Consolas" pitchFamily="49" charset="0"/>
-                <a:ea typeface="Consolas" pitchFamily="49" charset="0"/>
-                <a:cs typeface="Consolas" pitchFamily="49" charset="0"/>
-              </a:rPr>
-              <a:t>Option Strict Off</a:t>
-            </a:r>
-          </a:p>
-          <a:p>
-            <a:pPr>
-              <a:lnSpc>
-                <a:spcPct val="100000"/>
-              </a:lnSpc>
-              <a:spcBef>
-                <a:spcPct val="0"/>
-              </a:spcBef>
-            </a:pPr>
-            <a:r>
-              <a:rPr lang="en-US" sz="3600" smtClean="0"/>
-              <a:t>VBx (10) Uses DLR</a:t>
-            </a:r>
-          </a:p>
-        </p:txBody>
-      </p:sp>
-      <p:sp>
-        <p:nvSpPr>
-          <p:cNvPr id="52226" name="Title 2"/>
-          <p:cNvSpPr>
-            <a:spLocks noGrp="1"/>
-          </p:cNvSpPr>
-          <p:nvPr>
-            <p:ph type="title"/>
-          </p:nvPr>
-        </p:nvSpPr>
-        <p:spPr>
-          <a:xfrm>
-            <a:off x="387350" y="990600"/>
-            <a:ext cx="8375650" cy="769938"/>
-          </a:xfrm>
-        </p:spPr>
-        <p:txBody>
-          <a:bodyPr/>
-          <a:lstStyle/>
-          <a:p>
-            <a:r>
-              <a:rPr lang="en-US" smtClean="0"/>
-              <a:t>Dynamic in Visual Basic 10</a:t>
-            </a:r>
-          </a:p>
-        </p:txBody>
-      </p:sp>
-    </p:spTree>
-  </p:cSld>
-  <p:clrMapOvr>
-    <a:masterClrMapping/>
-  </p:clrMapOvr>
-  <p:transition>
-    <p:fade/>
-  </p:transition>
-  <p:timing>
-    <p:tnLst>
-      <p:par>
-        <p:cTn id="1" dur="indefinite" restart="never" nodeType="tmRoot"/>
-      </p:par>
-    </p:tnLst>
-  </p:timing>
-</p:sld>
-</file>
-
-<file path=ppt/slides/slide16.xml><?xml version="1.0" encoding="utf-8"?>
-<p:sld xmlns:a="http://schemas.openxmlformats.org/drawingml/2006/main" xmlns:r="http://schemas.openxmlformats.org/officeDocument/2006/relationships" xmlns:p="http://schemas.openxmlformats.org/presentationml/2006/main">
-  <p:cSld>
-    <p:spTree>
-      <p:nvGrpSpPr>
-        <p:cNvPr id="1" name=""/>
-        <p:cNvGrpSpPr/>
-        <p:nvPr/>
-      </p:nvGrpSpPr>
-      <p:grpSpPr>
-        <a:xfrm>
-          <a:off x="0" y="0"/>
-          <a:ext cx="0" cy="0"/>
-          <a:chOff x="0" y="0"/>
-          <a:chExt cx="0" cy="0"/>
-        </a:xfrm>
-      </p:grpSpPr>
-      <p:sp>
-        <p:nvSpPr>
           <p:cNvPr id="53249" name="Title 2"/>
           <p:cNvSpPr>
             <a:spLocks noGrp="1"/>
@@ -19025,6 +18350,7 @@
           <a:bodyPr/>
           <a:lstStyle/>
           <a:p>
+            <a:pPr eaLnBrk="1" hangingPunct="1"/>
             <a:r>
               <a:rPr lang="en-US" smtClean="0"/>
               <a:t>Digging Deeper</a:t>
@@ -19166,7 +18492,7 @@
 </p:sld>
 </file>
 
-<file path=ppt/slides/slide17.xml><?xml version="1.0" encoding="utf-8"?>
+<file path=ppt/slides/slide16.xml><?xml version="1.0" encoding="utf-8"?>
 <p:sld xmlns:a="http://schemas.openxmlformats.org/drawingml/2006/main" xmlns:r="http://schemas.openxmlformats.org/officeDocument/2006/relationships" xmlns:p="http://schemas.openxmlformats.org/presentationml/2006/main">
   <p:cSld>
     <p:spTree>
@@ -19254,6 +18580,7 @@
           <a:bodyPr/>
           <a:lstStyle/>
           <a:p>
+            <a:pPr eaLnBrk="1" hangingPunct="1"/>
             <a:r>
               <a:rPr lang="en-US" smtClean="0"/>
               <a:t>Dynamic Dispatch</a:t>
@@ -21387,7 +20714,7 @@
 </p:sld>
 </file>
 
-<file path=ppt/slides/slide18.xml><?xml version="1.0" encoding="utf-8"?>
+<file path=ppt/slides/slide17.xml><?xml version="1.0" encoding="utf-8"?>
 <p:sld xmlns:a="http://schemas.openxmlformats.org/drawingml/2006/main" xmlns:r="http://schemas.openxmlformats.org/officeDocument/2006/relationships" xmlns:p="http://schemas.openxmlformats.org/presentationml/2006/main">
   <p:cSld>
     <p:spTree>
@@ -21424,6 +20751,7 @@
           <a:bodyPr/>
           <a:lstStyle/>
           <a:p>
+            <a:pPr eaLnBrk="1" hangingPunct="1"/>
             <a:r>
               <a:rPr lang="en-US" smtClean="0"/>
               <a:t>Digging Deeper</a:t>
@@ -21565,7 +20893,7 @@
 </p:sld>
 </file>
 
-<file path=ppt/slides/slide19.xml><?xml version="1.0" encoding="utf-8"?>
+<file path=ppt/slides/slide18.xml><?xml version="1.0" encoding="utf-8"?>
 <p:sld xmlns:a="http://schemas.openxmlformats.org/drawingml/2006/main" xmlns:r="http://schemas.openxmlformats.org/officeDocument/2006/relationships" xmlns:p="http://schemas.openxmlformats.org/presentationml/2006/main">
   <p:cSld>
     <p:spTree>
@@ -25809,9 +25137,133 @@
           <a:bodyPr/>
           <a:lstStyle/>
           <a:p>
+            <a:pPr eaLnBrk="1" hangingPunct="1"/>
             <a:r>
               <a:rPr lang="en-US" smtClean="0"/>
               <a:t>Language Expressions</a:t>
+            </a:r>
+          </a:p>
+        </p:txBody>
+      </p:sp>
+    </p:spTree>
+  </p:cSld>
+  <p:clrMapOvr>
+    <a:masterClrMapping/>
+  </p:clrMapOvr>
+  <p:transition>
+    <p:fade/>
+  </p:transition>
+  <p:timing>
+    <p:tnLst>
+      <p:par>
+        <p:cTn id="1" dur="indefinite" restart="never" nodeType="tmRoot"/>
+      </p:par>
+    </p:tnLst>
+  </p:timing>
+</p:sld>
+</file>
+
+<file path=ppt/slides/slide19.xml><?xml version="1.0" encoding="utf-8"?>
+<p:sld xmlns:a="http://schemas.openxmlformats.org/drawingml/2006/main" xmlns:r="http://schemas.openxmlformats.org/officeDocument/2006/relationships" xmlns:p="http://schemas.openxmlformats.org/presentationml/2006/main">
+  <p:cSld>
+    <p:spTree>
+      <p:nvGrpSpPr>
+        <p:cNvPr id="1" name=""/>
+        <p:cNvGrpSpPr/>
+        <p:nvPr/>
+      </p:nvGrpSpPr>
+      <p:grpSpPr>
+        <a:xfrm>
+          <a:off x="0" y="0"/>
+          <a:ext cx="0" cy="0"/>
+          <a:chOff x="0" y="0"/>
+          <a:chExt cx="0" cy="0"/>
+        </a:xfrm>
+      </p:grpSpPr>
+      <p:sp>
+        <p:nvSpPr>
+          <p:cNvPr id="59393" name="Text Placeholder 5"/>
+          <p:cNvSpPr>
+            <a:spLocks noGrp="1"/>
+          </p:cNvSpPr>
+          <p:nvPr>
+            <p:ph type="body" sz="quarter" idx="10"/>
+          </p:nvPr>
+        </p:nvSpPr>
+        <p:spPr>
+          <a:xfrm>
+            <a:off x="730250" y="1905000"/>
+            <a:ext cx="7672388" cy="3962400"/>
+          </a:xfrm>
+        </p:spPr>
+        <p:txBody>
+          <a:bodyPr/>
+          <a:lstStyle/>
+          <a:p>
+            <a:pPr eaLnBrk="1" hangingPunct="1"/>
+            <a:r>
+              <a:rPr lang="en-US" sz="3200" smtClean="0"/>
+              <a:t>Start with LINQ Expression Trees</a:t>
+            </a:r>
+          </a:p>
+          <a:p>
+            <a:pPr eaLnBrk="1" hangingPunct="1"/>
+            <a:r>
+              <a:rPr lang="en-US" sz="3200" smtClean="0"/>
+              <a:t>Add assignment</a:t>
+            </a:r>
+          </a:p>
+          <a:p>
+            <a:pPr eaLnBrk="1" hangingPunct="1"/>
+            <a:r>
+              <a:rPr lang="en-US" sz="3200" smtClean="0"/>
+              <a:t>Add control-flow</a:t>
+            </a:r>
+          </a:p>
+          <a:p>
+            <a:pPr eaLnBrk="1" hangingPunct="1"/>
+            <a:r>
+              <a:rPr lang="en-US" sz="3200" smtClean="0"/>
+              <a:t>Add dynamic dispatch nodes</a:t>
+            </a:r>
+          </a:p>
+          <a:p>
+            <a:pPr eaLnBrk="1" hangingPunct="1"/>
+            <a:endParaRPr lang="en-US" sz="3200" smtClean="0"/>
+          </a:p>
+          <a:p>
+            <a:pPr eaLnBrk="1" hangingPunct="1"/>
+            <a:r>
+              <a:rPr lang="en-US" sz="3200" smtClean="0"/>
+              <a:t>Now we support full method bodies</a:t>
+            </a:r>
+          </a:p>
+        </p:txBody>
+      </p:sp>
+      <p:sp>
+        <p:nvSpPr>
+          <p:cNvPr id="59394" name="Title 4"/>
+          <p:cNvSpPr>
+            <a:spLocks noGrp="1"/>
+          </p:cNvSpPr>
+          <p:nvPr>
+            <p:ph type="title"/>
+          </p:nvPr>
+        </p:nvSpPr>
+        <p:spPr>
+          <a:xfrm>
+            <a:off x="387350" y="990600"/>
+            <a:ext cx="8375650" cy="609600"/>
+          </a:xfrm>
+        </p:spPr>
+        <p:txBody>
+          <a:bodyPr/>
+          <a:lstStyle/>
+          <a:p>
+            <a:pPr eaLnBrk="1" hangingPunct="1"/>
+            <a:r>
+              <a:rPr lang="en-US" smtClean="0"/>
+              <a:t>System.Linq.Expressions v2</a:t>
             </a:r>
           </a:p>
         </p:txBody>
@@ -25866,6 +25318,7 @@
           <a:bodyPr/>
           <a:lstStyle/>
           <a:p>
+            <a:pPr eaLnBrk="1" hangingPunct="1"/>
             <a:r>
               <a:rPr lang="en-US" smtClean="0"/>
               <a:t>Who am I?</a:t>
@@ -25893,24 +25346,28 @@
           <a:bodyPr/>
           <a:lstStyle/>
           <a:p>
+            <a:pPr eaLnBrk="1" hangingPunct="1"/>
             <a:r>
               <a:rPr lang="en-US" sz="2400" smtClean="0"/>
               <a:t>Iowa Native</a:t>
             </a:r>
           </a:p>
           <a:p>
+            <a:pPr eaLnBrk="1" hangingPunct="1"/>
             <a:r>
               <a:rPr lang="en-US" sz="2400" smtClean="0"/>
               <a:t>Iowa State University</a:t>
             </a:r>
           </a:p>
           <a:p>
+            <a:pPr eaLnBrk="1" hangingPunct="1"/>
             <a:r>
               <a:rPr lang="en-US" sz="2400" smtClean="0"/>
               <a:t>Cedar Rapids</a:t>
             </a:r>
           </a:p>
           <a:p>
+            <a:pPr eaLnBrk="1" hangingPunct="1"/>
             <a:r>
               <a:rPr lang="en-US" sz="2400" smtClean="0"/>
               <a:t>SharePoint </a:t>
@@ -25924,6 +25381,7 @@
             <a:endParaRPr lang="en-US" sz="2400" smtClean="0"/>
           </a:p>
           <a:p>
+            <a:pPr eaLnBrk="1" hangingPunct="1"/>
             <a:r>
               <a:rPr lang="en-US" sz="2400" smtClean="0">
                 <a:sym typeface="Wingdings" pitchFamily="2" charset="2"/>
@@ -25933,6 +25391,7 @@
             <a:endParaRPr lang="en-US" sz="2400" smtClean="0"/>
           </a:p>
           <a:p>
+            <a:pPr eaLnBrk="1" hangingPunct="1"/>
             <a:r>
               <a:rPr lang="en-US" sz="2400" smtClean="0"/>
               <a:t>Language Geek</a:t>
@@ -26006,122 +25465,6 @@
       </p:grpSpPr>
       <p:sp>
         <p:nvSpPr>
-          <p:cNvPr id="59393" name="Text Placeholder 5"/>
-          <p:cNvSpPr>
-            <a:spLocks noGrp="1"/>
-          </p:cNvSpPr>
-          <p:nvPr>
-            <p:ph type="body" sz="quarter" idx="10"/>
-          </p:nvPr>
-        </p:nvSpPr>
-        <p:spPr>
-          <a:xfrm>
-            <a:off x="730250" y="1905000"/>
-            <a:ext cx="7672388" cy="3962400"/>
-          </a:xfrm>
-        </p:spPr>
-        <p:txBody>
-          <a:bodyPr/>
-          <a:lstStyle/>
-          <a:p>
-            <a:r>
-              <a:rPr lang="en-US" sz="3200" smtClean="0"/>
-              <a:t>Start with LINQ Expression Trees</a:t>
-            </a:r>
-          </a:p>
-          <a:p>
-            <a:r>
-              <a:rPr lang="en-US" sz="3200" smtClean="0"/>
-              <a:t>Add assignment</a:t>
-            </a:r>
-          </a:p>
-          <a:p>
-            <a:r>
-              <a:rPr lang="en-US" sz="3200" smtClean="0"/>
-              <a:t>Add control-flow</a:t>
-            </a:r>
-          </a:p>
-          <a:p>
-            <a:r>
-              <a:rPr lang="en-US" sz="3200" smtClean="0"/>
-              <a:t>Add dynamic dispatch nodes</a:t>
-            </a:r>
-          </a:p>
-          <a:p>
-            <a:endParaRPr lang="en-US" sz="3200" smtClean="0"/>
-          </a:p>
-          <a:p>
-            <a:r>
-              <a:rPr lang="en-US" sz="3200" smtClean="0"/>
-              <a:t>Now we support full method bodies</a:t>
-            </a:r>
-          </a:p>
-        </p:txBody>
-      </p:sp>
-      <p:sp>
-        <p:nvSpPr>
-          <p:cNvPr id="59394" name="Title 4"/>
-          <p:cNvSpPr>
-            <a:spLocks noGrp="1"/>
-          </p:cNvSpPr>
-          <p:nvPr>
-            <p:ph type="title"/>
-          </p:nvPr>
-        </p:nvSpPr>
-        <p:spPr>
-          <a:xfrm>
-            <a:off x="387350" y="990600"/>
-            <a:ext cx="8375650" cy="609600"/>
-          </a:xfrm>
-        </p:spPr>
-        <p:txBody>
-          <a:bodyPr/>
-          <a:lstStyle/>
-          <a:p>
-            <a:r>
-              <a:rPr lang="en-US" smtClean="0"/>
-              <a:t>System.Linq.Expressions v2</a:t>
-            </a:r>
-          </a:p>
-        </p:txBody>
-      </p:sp>
-    </p:spTree>
-  </p:cSld>
-  <p:clrMapOvr>
-    <a:masterClrMapping/>
-  </p:clrMapOvr>
-  <p:transition>
-    <p:fade/>
-  </p:transition>
-  <p:timing>
-    <p:tnLst>
-      <p:par>
-        <p:cTn id="1" dur="indefinite" restart="never" nodeType="tmRoot"/>
-      </p:par>
-    </p:tnLst>
-  </p:timing>
-</p:sld>
-</file>
-
-<file path=ppt/slides/slide21.xml><?xml version="1.0" encoding="utf-8"?>
-<p:sld xmlns:a="http://schemas.openxmlformats.org/drawingml/2006/main" xmlns:r="http://schemas.openxmlformats.org/officeDocument/2006/relationships" xmlns:p="http://schemas.openxmlformats.org/presentationml/2006/main">
-  <p:cSld>
-    <p:spTree>
-      <p:nvGrpSpPr>
-        <p:cNvPr id="1" name=""/>
-        <p:cNvGrpSpPr/>
-        <p:nvPr/>
-      </p:nvGrpSpPr>
-      <p:grpSpPr>
-        <a:xfrm>
-          <a:off x="0" y="0"/>
-          <a:ext cx="0" cy="0"/>
-          <a:chOff x="0" y="0"/>
-          <a:chExt cx="0" cy="0"/>
-        </a:xfrm>
-      </p:grpSpPr>
-      <p:sp>
-        <p:nvSpPr>
           <p:cNvPr id="61441" name="Title 1"/>
           <p:cNvSpPr>
             <a:spLocks noGrp="1"/>
@@ -26140,6 +25483,7 @@
           <a:bodyPr/>
           <a:lstStyle/>
           <a:p>
+            <a:pPr eaLnBrk="1" hangingPunct="1"/>
             <a:r>
               <a:rPr lang="en-US" smtClean="0"/>
               <a:t>Factorial In C#</a:t>
@@ -27414,7 +26758,7 @@
       </p:cxnSp>
       <p:sp>
         <p:nvSpPr>
-          <p:cNvPr id="61493" name="Text Box 4"/>
+          <p:cNvPr id="61492" name="Text Box 4"/>
           <p:cNvSpPr txBox="1">
             <a:spLocks noChangeArrowheads="1"/>
           </p:cNvSpPr>
@@ -27507,8 +26851,8 @@
         <p:nvCxnSpPr>
           <p:cNvPr id="47" name="Elbow Connector 46"/>
           <p:cNvCxnSpPr>
-            <a:stCxn id="16" idx="3"/>
-            <a:endCxn id="46" idx="1"/>
+            <a:stCxn id="0" idx="3"/>
+            <a:endCxn id="0" idx="1"/>
           </p:cNvCxnSpPr>
           <p:nvPr/>
         </p:nvCxnSpPr>
@@ -27562,7 +26906,7 @@
 </p:sld>
 </file>
 
-<file path=ppt/slides/slide22.xml><?xml version="1.0" encoding="utf-8"?>
+<file path=ppt/slides/slide21.xml><?xml version="1.0" encoding="utf-8"?>
 <p:sld xmlns:a="http://schemas.openxmlformats.org/drawingml/2006/main" xmlns:r="http://schemas.openxmlformats.org/officeDocument/2006/relationships" xmlns:p="http://schemas.openxmlformats.org/presentationml/2006/main">
   <p:cSld>
     <p:spTree>
@@ -27599,6 +26943,7 @@
           <a:bodyPr/>
           <a:lstStyle/>
           <a:p>
+            <a:pPr eaLnBrk="1" hangingPunct="1"/>
             <a:r>
               <a:rPr lang="en-US" smtClean="0"/>
               <a:t>Factorial In C# With Dynamic</a:t>
@@ -28818,7 +28163,7 @@
       </p:cxnSp>
       <p:sp>
         <p:nvSpPr>
-          <p:cNvPr id="63541" name="Text Box 4"/>
+          <p:cNvPr id="63537" name="Text Box 4"/>
           <p:cNvSpPr txBox="1">
             <a:spLocks noChangeArrowheads="1"/>
           </p:cNvSpPr>
@@ -28975,8 +28320,8 @@
         <p:nvCxnSpPr>
           <p:cNvPr id="47" name="Elbow Connector 46"/>
           <p:cNvCxnSpPr>
-            <a:stCxn id="16" idx="3"/>
-            <a:endCxn id="46" idx="1"/>
+            <a:stCxn id="0" idx="3"/>
+            <a:endCxn id="0" idx="1"/>
           </p:cNvCxnSpPr>
           <p:nvPr/>
         </p:nvCxnSpPr>
@@ -29030,7 +28375,7 @@
 </p:sld>
 </file>
 
-<file path=ppt/slides/slide23.xml><?xml version="1.0" encoding="utf-8"?>
+<file path=ppt/slides/slide22.xml><?xml version="1.0" encoding="utf-8"?>
 <p:sld xmlns:a="http://schemas.openxmlformats.org/drawingml/2006/main" xmlns:r="http://schemas.openxmlformats.org/officeDocument/2006/relationships" xmlns:p="http://schemas.openxmlformats.org/presentationml/2006/main">
   <p:cSld>
     <p:spTree>
@@ -29142,6 +28487,7 @@
           <a:bodyPr/>
           <a:lstStyle/>
           <a:p>
+            <a:pPr eaLnBrk="1" hangingPunct="1"/>
             <a:r>
               <a:rPr lang="en-US" smtClean="0"/>
               <a:t>Factorial In Python</a:t>
@@ -30040,8 +29386,8 @@
         <p:nvCxnSpPr>
           <p:cNvPr id="47" name="Elbow Connector 46"/>
           <p:cNvCxnSpPr>
-            <a:stCxn id="16" idx="3"/>
-            <a:endCxn id="46" idx="1"/>
+            <a:stCxn id="0" idx="3"/>
+            <a:endCxn id="0" idx="1"/>
           </p:cNvCxnSpPr>
           <p:nvPr/>
         </p:nvCxnSpPr>
@@ -30698,7 +30044,7 @@
 </p:sld>
 </file>
 
-<file path=ppt/slides/slide24.xml><?xml version="1.0" encoding="utf-8"?>
+<file path=ppt/slides/slide23.xml><?xml version="1.0" encoding="utf-8"?>
 <p:sld xmlns:a="http://schemas.openxmlformats.org/drawingml/2006/main" xmlns:r="http://schemas.openxmlformats.org/officeDocument/2006/relationships" xmlns:p="http://schemas.openxmlformats.org/presentationml/2006/main">
   <p:cSld>
     <p:spTree>
@@ -30826,6 +30172,7 @@
           <a:bodyPr/>
           <a:lstStyle/>
           <a:p>
+            <a:pPr eaLnBrk="1" hangingPunct="1"/>
             <a:r>
               <a:rPr lang="en-US" smtClean="0"/>
               <a:t>Factorial In Ruby</a:t>
@@ -32202,7 +31549,7 @@
 </p:sld>
 </file>
 
-<file path=ppt/slides/slide25.xml><?xml version="1.0" encoding="utf-8"?>
+<file path=ppt/slides/slide24.xml><?xml version="1.0" encoding="utf-8"?>
 <p:sld xmlns:a="http://schemas.openxmlformats.org/drawingml/2006/main" xmlns:r="http://schemas.openxmlformats.org/officeDocument/2006/relationships" xmlns:p="http://schemas.openxmlformats.org/presentationml/2006/main">
   <p:cSld>
     <p:spTree>
@@ -32239,6 +31586,7 @@
           <a:bodyPr/>
           <a:lstStyle/>
           <a:p>
+            <a:pPr eaLnBrk="1" hangingPunct="1"/>
             <a:r>
               <a:rPr lang="en-US" smtClean="0"/>
               <a:t>Different Semantics</a:t>
@@ -33213,7 +32561,7 @@
 </p:sld>
 </file>
 
-<file path=ppt/slides/slide26.xml><?xml version="1.0" encoding="utf-8"?>
+<file path=ppt/slides/slide25.xml><?xml version="1.0" encoding="utf-8"?>
 <p:sld xmlns:a="http://schemas.openxmlformats.org/drawingml/2006/main" xmlns:r="http://schemas.openxmlformats.org/officeDocument/2006/relationships" xmlns:p="http://schemas.openxmlformats.org/presentationml/2006/main">
   <p:cSld>
     <p:spTree>
@@ -33250,6 +32598,7 @@
           <a:bodyPr/>
           <a:lstStyle/>
           <a:p>
+            <a:pPr eaLnBrk="1" hangingPunct="1"/>
             <a:r>
               <a:rPr lang="en-US" smtClean="0"/>
               <a:t>Digging Deeper</a:t>
@@ -33391,7 +32740,7 @@
 </p:sld>
 </file>
 
-<file path=ppt/slides/slide27.xml><?xml version="1.0" encoding="utf-8"?>
+<file path=ppt/slides/slide26.xml><?xml version="1.0" encoding="utf-8"?>
 <p:sld xmlns:a="http://schemas.openxmlformats.org/drawingml/2006/main" xmlns:r="http://schemas.openxmlformats.org/officeDocument/2006/relationships" xmlns:p="http://schemas.openxmlformats.org/presentationml/2006/main">
   <p:cSld>
     <p:spTree>
@@ -33428,7 +32777,7 @@
           <a:bodyPr/>
           <a:lstStyle/>
           <a:p>
-            <a:pPr>
+            <a:pPr eaLnBrk="1" hangingPunct="1">
               <a:lnSpc>
                 <a:spcPct val="120000"/>
               </a:lnSpc>
@@ -33439,7 +32788,7 @@
             </a:r>
           </a:p>
           <a:p>
-            <a:pPr lvl="1">
+            <a:pPr lvl="1" eaLnBrk="1" hangingPunct="1">
               <a:lnSpc>
                 <a:spcPct val="120000"/>
               </a:lnSpc>
@@ -33450,7 +32799,7 @@
             </a:r>
           </a:p>
           <a:p>
-            <a:pPr lvl="1">
+            <a:pPr lvl="1" eaLnBrk="1" hangingPunct="1">
               <a:lnSpc>
                 <a:spcPct val="120000"/>
               </a:lnSpc>
@@ -33464,7 +32813,7 @@
             </a:r>
           </a:p>
           <a:p>
-            <a:pPr>
+            <a:pPr eaLnBrk="1" hangingPunct="1">
               <a:lnSpc>
                 <a:spcPct val="120000"/>
               </a:lnSpc>
@@ -33475,7 +32824,7 @@
             </a:r>
           </a:p>
           <a:p>
-            <a:pPr lvl="1">
+            <a:pPr lvl="1" eaLnBrk="1" hangingPunct="1">
               <a:lnSpc>
                 <a:spcPct val="120000"/>
               </a:lnSpc>
@@ -33486,7 +32835,7 @@
             </a:r>
           </a:p>
           <a:p>
-            <a:pPr lvl="1">
+            <a:pPr lvl="1" eaLnBrk="1" hangingPunct="1">
               <a:lnSpc>
                 <a:spcPct val="120000"/>
               </a:lnSpc>
@@ -33497,7 +32846,7 @@
             </a:r>
           </a:p>
           <a:p>
-            <a:pPr lvl="1">
+            <a:pPr lvl="1" eaLnBrk="1" hangingPunct="1">
               <a:lnSpc>
                 <a:spcPct val="120000"/>
               </a:lnSpc>
@@ -33508,7 +32857,7 @@
             </a:r>
           </a:p>
           <a:p>
-            <a:pPr>
+            <a:pPr eaLnBrk="1" hangingPunct="1">
               <a:lnSpc>
                 <a:spcPct val="120000"/>
               </a:lnSpc>
@@ -33537,6 +32886,7 @@
           <a:bodyPr/>
           <a:lstStyle/>
           <a:p>
+            <a:pPr eaLnBrk="1" hangingPunct="1"/>
             <a:r>
               <a:rPr lang="en-US" smtClean="0"/>
               <a:t>CallSites</a:t>
@@ -33547,6 +32897,263 @@
             <a:r>
               <a:rPr lang="en-US" sz="3600" smtClean="0"/>
               <a:t>System.Runtime.CompilerServices</a:t>
+            </a:r>
+          </a:p>
+        </p:txBody>
+      </p:sp>
+    </p:spTree>
+  </p:cSld>
+  <p:clrMapOvr>
+    <a:masterClrMapping/>
+  </p:clrMapOvr>
+  <p:transition>
+    <p:fade/>
+  </p:transition>
+  <p:timing>
+    <p:tnLst>
+      <p:par>
+        <p:cTn id="1" dur="indefinite" restart="never" nodeType="tmRoot"/>
+      </p:par>
+    </p:tnLst>
+  </p:timing>
+</p:sld>
+</file>
+
+<file path=ppt/slides/slide27.xml><?xml version="1.0" encoding="utf-8"?>
+<p:sld xmlns:a="http://schemas.openxmlformats.org/drawingml/2006/main" xmlns:r="http://schemas.openxmlformats.org/officeDocument/2006/relationships" xmlns:p="http://schemas.openxmlformats.org/presentationml/2006/main">
+  <p:cSld>
+    <p:spTree>
+      <p:nvGrpSpPr>
+        <p:cNvPr id="1" name=""/>
+        <p:cNvGrpSpPr/>
+        <p:nvPr/>
+      </p:nvGrpSpPr>
+      <p:grpSpPr>
+        <a:xfrm>
+          <a:off x="0" y="0"/>
+          <a:ext cx="0" cy="0"/>
+          <a:chOff x="0" y="0"/>
+          <a:chExt cx="0" cy="0"/>
+        </a:xfrm>
+      </p:grpSpPr>
+      <p:sp>
+        <p:nvSpPr>
+          <p:cNvPr id="2" name="Text Placeholder 1"/>
+          <p:cNvSpPr>
+            <a:spLocks noGrp="1"/>
+          </p:cNvSpPr>
+          <p:nvPr>
+            <p:ph type="body" sz="quarter" idx="10"/>
+          </p:nvPr>
+        </p:nvSpPr>
+        <p:spPr>
+          <a:xfrm>
+            <a:off x="730250" y="1905000"/>
+            <a:ext cx="7672388" cy="4572000"/>
+          </a:xfrm>
+        </p:spPr>
+        <p:txBody>
+          <a:bodyPr>
+            <a:normAutofit fontScale="92500"/>
+          </a:bodyPr>
+          <a:lstStyle/>
+          <a:p>
+            <a:pPr marL="514350" indent="-514350" eaLnBrk="1" fontAlgn="auto" hangingPunct="1">
+              <a:lnSpc>
+                <a:spcPct val="110000"/>
+              </a:lnSpc>
+              <a:spcAft>
+                <a:spcPts val="0"/>
+              </a:spcAft>
+              <a:buClr>
+                <a:schemeClr val="accent3"/>
+              </a:buClr>
+              <a:buFont typeface="+mj-lt"/>
+              <a:buAutoNum type="arabicPeriod"/>
+              <a:defRPr/>
+            </a:pPr>
+            <a:r>
+              <a:rPr lang="en-US" sz="3600" dirty="0" smtClean="0"/>
+              <a:t>ExpandoObject</a:t>
+            </a:r>
+          </a:p>
+          <a:p>
+            <a:pPr marL="880110" lvl="1" indent="-514350" eaLnBrk="1" fontAlgn="auto" hangingPunct="1">
+              <a:lnSpc>
+                <a:spcPct val="110000"/>
+              </a:lnSpc>
+              <a:spcAft>
+                <a:spcPts val="0"/>
+              </a:spcAft>
+              <a:buFont typeface="Wingdings 2"/>
+              <a:buChar char=""/>
+              <a:defRPr/>
+            </a:pPr>
+            <a:r>
+              <a:rPr lang="en-US" sz="2600" dirty="0" smtClean="0"/>
+              <a:t>Key-Value Pairs</a:t>
+            </a:r>
+          </a:p>
+          <a:p>
+            <a:pPr marL="880110" lvl="1" indent="-514350" eaLnBrk="1" fontAlgn="auto" hangingPunct="1">
+              <a:lnSpc>
+                <a:spcPct val="110000"/>
+              </a:lnSpc>
+              <a:spcAft>
+                <a:spcPts val="0"/>
+              </a:spcAft>
+              <a:buFont typeface="Wingdings 2"/>
+              <a:buChar char=""/>
+              <a:defRPr/>
+            </a:pPr>
+            <a:r>
+              <a:rPr lang="en-US" sz="2600" dirty="0" smtClean="0"/>
+              <a:t>Accessed as properties</a:t>
+            </a:r>
+          </a:p>
+          <a:p>
+            <a:pPr marL="514350" indent="-514350" eaLnBrk="1" fontAlgn="auto" hangingPunct="1">
+              <a:lnSpc>
+                <a:spcPct val="110000"/>
+              </a:lnSpc>
+              <a:spcAft>
+                <a:spcPts val="0"/>
+              </a:spcAft>
+              <a:buClr>
+                <a:schemeClr val="accent3"/>
+              </a:buClr>
+              <a:buFont typeface="+mj-lt"/>
+              <a:buAutoNum type="arabicPeriod"/>
+              <a:defRPr/>
+            </a:pPr>
+            <a:r>
+              <a:rPr lang="en-US" sz="3600" dirty="0" err="1" smtClean="0"/>
+              <a:t>DynamicObject</a:t>
+            </a:r>
+            <a:endParaRPr lang="en-US" sz="3600" dirty="0" smtClean="0"/>
+          </a:p>
+          <a:p>
+            <a:pPr marL="880110" lvl="1" indent="-514350" eaLnBrk="1" fontAlgn="auto" hangingPunct="1">
+              <a:lnSpc>
+                <a:spcPct val="110000"/>
+              </a:lnSpc>
+              <a:spcAft>
+                <a:spcPts val="0"/>
+              </a:spcAft>
+              <a:buFont typeface="Wingdings 2"/>
+              <a:buChar char=""/>
+              <a:defRPr/>
+            </a:pPr>
+            <a:r>
+              <a:rPr lang="en-US" sz="2600" dirty="0" smtClean="0"/>
+              <a:t>Abstract Base Class</a:t>
+            </a:r>
+          </a:p>
+          <a:p>
+            <a:pPr marL="514350" indent="-514350" eaLnBrk="1" fontAlgn="auto" hangingPunct="1">
+              <a:lnSpc>
+                <a:spcPct val="110000"/>
+              </a:lnSpc>
+              <a:spcAft>
+                <a:spcPts val="0"/>
+              </a:spcAft>
+              <a:buClr>
+                <a:schemeClr val="accent3"/>
+              </a:buClr>
+              <a:buFont typeface="+mj-lt"/>
+              <a:buAutoNum type="arabicPeriod"/>
+              <a:defRPr/>
+            </a:pPr>
+            <a:r>
+              <a:rPr lang="en-US" sz="3600" dirty="0" err="1" smtClean="0"/>
+              <a:t>IDynamicMetaObjectProvider</a:t>
+            </a:r>
+            <a:endParaRPr lang="en-US" sz="3600" dirty="0" smtClean="0"/>
+          </a:p>
+          <a:p>
+            <a:pPr marL="880110" lvl="1" indent="-514350" eaLnBrk="1" fontAlgn="auto" hangingPunct="1">
+              <a:lnSpc>
+                <a:spcPct val="110000"/>
+              </a:lnSpc>
+              <a:spcAft>
+                <a:spcPts val="0"/>
+              </a:spcAft>
+              <a:buFont typeface="Wingdings 2"/>
+              <a:buChar char=""/>
+              <a:defRPr/>
+            </a:pPr>
+            <a:r>
+              <a:rPr lang="en-US" sz="2600" dirty="0" err="1" smtClean="0">
+                <a:latin typeface="Consolas" pitchFamily="49" charset="0"/>
+                <a:cs typeface="Consolas" pitchFamily="49" charset="0"/>
+              </a:rPr>
+              <a:t>DynamicMetaObject</a:t>
+            </a:r>
+            <a:r>
+              <a:rPr lang="en-US" sz="2600" dirty="0" smtClean="0">
+                <a:latin typeface="Consolas" pitchFamily="49" charset="0"/>
+                <a:cs typeface="Consolas" pitchFamily="49" charset="0"/>
+              </a:rPr>
+              <a:t> </a:t>
+            </a:r>
+            <a:r>
+              <a:rPr lang="en-US" sz="2600" dirty="0" err="1" smtClean="0">
+                <a:latin typeface="Consolas" pitchFamily="49" charset="0"/>
+                <a:cs typeface="Consolas" pitchFamily="49" charset="0"/>
+              </a:rPr>
+              <a:t>GetMetaObject</a:t>
+            </a:r>
+            <a:r>
+              <a:rPr lang="en-US" sz="2600" dirty="0" smtClean="0">
+                <a:latin typeface="Consolas" pitchFamily="49" charset="0"/>
+                <a:cs typeface="Consolas" pitchFamily="49" charset="0"/>
+              </a:rPr>
+              <a:t>(</a:t>
+            </a:r>
+            <a:br>
+              <a:rPr lang="en-US" sz="2600" dirty="0" smtClean="0">
+                <a:latin typeface="Consolas" pitchFamily="49" charset="0"/>
+                <a:cs typeface="Consolas" pitchFamily="49" charset="0"/>
+              </a:rPr>
+            </a:br>
+            <a:r>
+              <a:rPr lang="en-US" sz="2600" dirty="0" smtClean="0">
+                <a:latin typeface="Consolas" pitchFamily="49" charset="0"/>
+                <a:cs typeface="Consolas" pitchFamily="49" charset="0"/>
+              </a:rPr>
+              <a:t>                  Expression parameter)</a:t>
+            </a:r>
+            <a:endParaRPr lang="en-US" sz="4800" dirty="0" smtClean="0">
+              <a:latin typeface="Consolas" pitchFamily="49" charset="0"/>
+              <a:cs typeface="Consolas" pitchFamily="49" charset="0"/>
+            </a:endParaRPr>
+          </a:p>
+        </p:txBody>
+      </p:sp>
+      <p:sp>
+        <p:nvSpPr>
+          <p:cNvPr id="74754" name="Title 2"/>
+          <p:cNvSpPr>
+            <a:spLocks noGrp="1"/>
+          </p:cNvSpPr>
+          <p:nvPr>
+            <p:ph type="title"/>
+          </p:nvPr>
+        </p:nvSpPr>
+        <p:spPr>
+          <a:xfrm>
+            <a:off x="387350" y="990600"/>
+            <a:ext cx="8375650" cy="769938"/>
+          </a:xfrm>
+        </p:spPr>
+        <p:txBody>
+          <a:bodyPr/>
+          <a:lstStyle/>
+          <a:p>
+            <a:pPr eaLnBrk="1" hangingPunct="1"/>
+            <a:r>
+              <a:rPr lang="en-US" smtClean="0"/>
+              <a:t>Creating Dynamic Objects</a:t>
             </a:r>
           </a:p>
         </p:txBody>
@@ -33588,262 +33195,6 @@
       </p:grpSpPr>
       <p:sp>
         <p:nvSpPr>
-          <p:cNvPr id="2" name="Text Placeholder 1"/>
-          <p:cNvSpPr>
-            <a:spLocks noGrp="1"/>
-          </p:cNvSpPr>
-          <p:nvPr>
-            <p:ph type="body" sz="quarter" idx="10"/>
-          </p:nvPr>
-        </p:nvSpPr>
-        <p:spPr>
-          <a:xfrm>
-            <a:off x="730250" y="1905000"/>
-            <a:ext cx="7672388" cy="4572000"/>
-          </a:xfrm>
-        </p:spPr>
-        <p:txBody>
-          <a:bodyPr>
-            <a:normAutofit fontScale="92500"/>
-          </a:bodyPr>
-          <a:lstStyle/>
-          <a:p>
-            <a:pPr marL="514350" indent="-514350" fontAlgn="auto">
-              <a:lnSpc>
-                <a:spcPct val="110000"/>
-              </a:lnSpc>
-              <a:spcAft>
-                <a:spcPts val="0"/>
-              </a:spcAft>
-              <a:buClr>
-                <a:schemeClr val="accent3"/>
-              </a:buClr>
-              <a:buFont typeface="+mj-lt"/>
-              <a:buAutoNum type="arabicPeriod"/>
-              <a:defRPr/>
-            </a:pPr>
-            <a:r>
-              <a:rPr lang="en-US" sz="3600" dirty="0" smtClean="0"/>
-              <a:t>ExpandoObject</a:t>
-            </a:r>
-          </a:p>
-          <a:p>
-            <a:pPr marL="880110" lvl="1" indent="-514350" fontAlgn="auto">
-              <a:lnSpc>
-                <a:spcPct val="110000"/>
-              </a:lnSpc>
-              <a:spcAft>
-                <a:spcPts val="0"/>
-              </a:spcAft>
-              <a:buFont typeface="Wingdings 2"/>
-              <a:buChar char=""/>
-              <a:defRPr/>
-            </a:pPr>
-            <a:r>
-              <a:rPr lang="en-US" sz="2600" dirty="0" smtClean="0"/>
-              <a:t>Key-Value Pairs</a:t>
-            </a:r>
-          </a:p>
-          <a:p>
-            <a:pPr marL="880110" lvl="1" indent="-514350" fontAlgn="auto">
-              <a:lnSpc>
-                <a:spcPct val="110000"/>
-              </a:lnSpc>
-              <a:spcAft>
-                <a:spcPts val="0"/>
-              </a:spcAft>
-              <a:buFont typeface="Wingdings 2"/>
-              <a:buChar char=""/>
-              <a:defRPr/>
-            </a:pPr>
-            <a:r>
-              <a:rPr lang="en-US" sz="2600" dirty="0" smtClean="0"/>
-              <a:t>Accessed as properties</a:t>
-            </a:r>
-          </a:p>
-          <a:p>
-            <a:pPr marL="514350" indent="-514350" fontAlgn="auto">
-              <a:lnSpc>
-                <a:spcPct val="110000"/>
-              </a:lnSpc>
-              <a:spcAft>
-                <a:spcPts val="0"/>
-              </a:spcAft>
-              <a:buClr>
-                <a:schemeClr val="accent3"/>
-              </a:buClr>
-              <a:buFont typeface="+mj-lt"/>
-              <a:buAutoNum type="arabicPeriod"/>
-              <a:defRPr/>
-            </a:pPr>
-            <a:r>
-              <a:rPr lang="en-US" sz="3600" dirty="0" err="1" smtClean="0"/>
-              <a:t>DynamicObject</a:t>
-            </a:r>
-            <a:endParaRPr lang="en-US" sz="3600" dirty="0" smtClean="0"/>
-          </a:p>
-          <a:p>
-            <a:pPr marL="880110" lvl="1" indent="-514350" fontAlgn="auto">
-              <a:lnSpc>
-                <a:spcPct val="110000"/>
-              </a:lnSpc>
-              <a:spcAft>
-                <a:spcPts val="0"/>
-              </a:spcAft>
-              <a:buFont typeface="Wingdings 2"/>
-              <a:buChar char=""/>
-              <a:defRPr/>
-            </a:pPr>
-            <a:r>
-              <a:rPr lang="en-US" sz="2600" dirty="0" smtClean="0"/>
-              <a:t>Abstract Base Class</a:t>
-            </a:r>
-          </a:p>
-          <a:p>
-            <a:pPr marL="514350" indent="-514350" fontAlgn="auto">
-              <a:lnSpc>
-                <a:spcPct val="110000"/>
-              </a:lnSpc>
-              <a:spcAft>
-                <a:spcPts val="0"/>
-              </a:spcAft>
-              <a:buClr>
-                <a:schemeClr val="accent3"/>
-              </a:buClr>
-              <a:buFont typeface="+mj-lt"/>
-              <a:buAutoNum type="arabicPeriod"/>
-              <a:defRPr/>
-            </a:pPr>
-            <a:r>
-              <a:rPr lang="en-US" sz="3600" dirty="0" err="1" smtClean="0"/>
-              <a:t>IDynamicMetaObjectProvider</a:t>
-            </a:r>
-            <a:endParaRPr lang="en-US" sz="3600" dirty="0" smtClean="0"/>
-          </a:p>
-          <a:p>
-            <a:pPr marL="880110" lvl="1" indent="-514350" fontAlgn="auto">
-              <a:lnSpc>
-                <a:spcPct val="110000"/>
-              </a:lnSpc>
-              <a:spcAft>
-                <a:spcPts val="0"/>
-              </a:spcAft>
-              <a:buFont typeface="Wingdings 2"/>
-              <a:buChar char=""/>
-              <a:defRPr/>
-            </a:pPr>
-            <a:r>
-              <a:rPr lang="en-US" sz="2600" dirty="0" err="1" smtClean="0">
-                <a:latin typeface="Consolas" pitchFamily="49" charset="0"/>
-                <a:cs typeface="Consolas" pitchFamily="49" charset="0"/>
-              </a:rPr>
-              <a:t>DynamicMetaObject</a:t>
-            </a:r>
-            <a:r>
-              <a:rPr lang="en-US" sz="2600" dirty="0" smtClean="0">
-                <a:latin typeface="Consolas" pitchFamily="49" charset="0"/>
-                <a:cs typeface="Consolas" pitchFamily="49" charset="0"/>
-              </a:rPr>
-              <a:t> </a:t>
-            </a:r>
-            <a:r>
-              <a:rPr lang="en-US" sz="2600" dirty="0" err="1" smtClean="0">
-                <a:latin typeface="Consolas" pitchFamily="49" charset="0"/>
-                <a:cs typeface="Consolas" pitchFamily="49" charset="0"/>
-              </a:rPr>
-              <a:t>GetMetaObject</a:t>
-            </a:r>
-            <a:r>
-              <a:rPr lang="en-US" sz="2600" dirty="0" smtClean="0">
-                <a:latin typeface="Consolas" pitchFamily="49" charset="0"/>
-                <a:cs typeface="Consolas" pitchFamily="49" charset="0"/>
-              </a:rPr>
-              <a:t>(</a:t>
-            </a:r>
-            <a:br>
-              <a:rPr lang="en-US" sz="2600" dirty="0" smtClean="0">
-                <a:latin typeface="Consolas" pitchFamily="49" charset="0"/>
-                <a:cs typeface="Consolas" pitchFamily="49" charset="0"/>
-              </a:rPr>
-            </a:br>
-            <a:r>
-              <a:rPr lang="en-US" sz="2600" dirty="0" smtClean="0">
-                <a:latin typeface="Consolas" pitchFamily="49" charset="0"/>
-                <a:cs typeface="Consolas" pitchFamily="49" charset="0"/>
-              </a:rPr>
-              <a:t>                  Expression parameter)</a:t>
-            </a:r>
-            <a:endParaRPr lang="en-US" sz="4800" dirty="0" smtClean="0">
-              <a:latin typeface="Consolas" pitchFamily="49" charset="0"/>
-              <a:cs typeface="Consolas" pitchFamily="49" charset="0"/>
-            </a:endParaRPr>
-          </a:p>
-        </p:txBody>
-      </p:sp>
-      <p:sp>
-        <p:nvSpPr>
-          <p:cNvPr id="74754" name="Title 2"/>
-          <p:cNvSpPr>
-            <a:spLocks noGrp="1"/>
-          </p:cNvSpPr>
-          <p:nvPr>
-            <p:ph type="title"/>
-          </p:nvPr>
-        </p:nvSpPr>
-        <p:spPr>
-          <a:xfrm>
-            <a:off x="387350" y="990600"/>
-            <a:ext cx="8375650" cy="769938"/>
-          </a:xfrm>
-        </p:spPr>
-        <p:txBody>
-          <a:bodyPr/>
-          <a:lstStyle/>
-          <a:p>
-            <a:r>
-              <a:rPr lang="en-US" smtClean="0"/>
-              <a:t>Creating Dynamic Objects</a:t>
-            </a:r>
-          </a:p>
-        </p:txBody>
-      </p:sp>
-    </p:spTree>
-  </p:cSld>
-  <p:clrMapOvr>
-    <a:masterClrMapping/>
-  </p:clrMapOvr>
-  <p:transition>
-    <p:fade/>
-  </p:transition>
-  <p:timing>
-    <p:tnLst>
-      <p:par>
-        <p:cTn id="1" dur="indefinite" restart="never" nodeType="tmRoot"/>
-      </p:par>
-    </p:tnLst>
-  </p:timing>
-</p:sld>
-</file>
-
-<file path=ppt/slides/slide29.xml><?xml version="1.0" encoding="utf-8"?>
-<p:sld xmlns:a="http://schemas.openxmlformats.org/drawingml/2006/main" xmlns:r="http://schemas.openxmlformats.org/officeDocument/2006/relationships" xmlns:p="http://schemas.openxmlformats.org/presentationml/2006/main">
-  <p:cSld>
-    <p:spTree>
-      <p:nvGrpSpPr>
-        <p:cNvPr id="1" name=""/>
-        <p:cNvGrpSpPr/>
-        <p:nvPr/>
-      </p:nvGrpSpPr>
-      <p:grpSpPr>
-        <a:xfrm>
-          <a:off x="0" y="0"/>
-          <a:ext cx="0" cy="0"/>
-          <a:chOff x="0" y="0"/>
-          <a:chExt cx="0" cy="0"/>
-        </a:xfrm>
-      </p:grpSpPr>
-      <p:sp>
-        <p:nvSpPr>
           <p:cNvPr id="4" name="Title 3"/>
           <p:cNvSpPr>
             <a:spLocks noGrp="1"/>
@@ -33857,7 +33208,7 @@
           <a:bodyPr/>
           <a:lstStyle/>
           <a:p>
-            <a:pPr fontAlgn="auto">
+            <a:pPr eaLnBrk="1" fontAlgn="auto" hangingPunct="1">
               <a:spcAft>
                 <a:spcPts val="0"/>
               </a:spcAft>
@@ -33891,6 +33242,7 @@
           <a:bodyPr/>
           <a:lstStyle/>
           <a:p>
+            <a:pPr eaLnBrk="1" hangingPunct="1"/>
             <a:endParaRPr lang="en-US" smtClean="0"/>
           </a:p>
         </p:txBody>
@@ -33911,93 +33263,7 @@
 </p:sld>
 </file>
 
-<file path=ppt/slides/slide3.xml><?xml version="1.0" encoding="utf-8"?>
-<p:sld xmlns:a="http://schemas.openxmlformats.org/drawingml/2006/main" xmlns:r="http://schemas.openxmlformats.org/officeDocument/2006/relationships" xmlns:p="http://schemas.openxmlformats.org/presentationml/2006/main">
-  <p:cSld>
-    <p:spTree>
-      <p:nvGrpSpPr>
-        <p:cNvPr id="1" name=""/>
-        <p:cNvGrpSpPr/>
-        <p:nvPr/>
-      </p:nvGrpSpPr>
-      <p:grpSpPr>
-        <a:xfrm>
-          <a:off x="0" y="0"/>
-          <a:ext cx="0" cy="0"/>
-          <a:chOff x="0" y="0"/>
-          <a:chExt cx="0" cy="0"/>
-        </a:xfrm>
-      </p:grpSpPr>
-      <p:sp>
-        <p:nvSpPr>
-          <p:cNvPr id="4" name="Title 3"/>
-          <p:cNvSpPr>
-            <a:spLocks noGrp="1"/>
-          </p:cNvSpPr>
-          <p:nvPr>
-            <p:ph type="title"/>
-          </p:nvPr>
-        </p:nvSpPr>
-        <p:spPr/>
-        <p:txBody>
-          <a:bodyPr/>
-          <a:lstStyle/>
-          <a:p>
-            <a:pPr fontAlgn="auto">
-              <a:spcAft>
-                <a:spcPts val="0"/>
-              </a:spcAft>
-              <a:defRPr/>
-            </a:pPr>
-            <a:r>
-              <a:rPr smtClean="0"/>
-              <a:t>Demo: Dynamic vs. Static</a:t>
-            </a:r>
-            <a:endParaRPr/>
-          </a:p>
-        </p:txBody>
-      </p:sp>
-      <p:sp>
-        <p:nvSpPr>
-          <p:cNvPr id="29698" name="Text Placeholder 4"/>
-          <p:cNvSpPr>
-            <a:spLocks noGrp="1"/>
-          </p:cNvSpPr>
-          <p:nvPr>
-            <p:ph type="body" idx="1"/>
-          </p:nvPr>
-        </p:nvSpPr>
-        <p:spPr>
-          <a:xfrm>
-            <a:off x="530225" y="2705100"/>
-            <a:ext cx="7772400" cy="1509713"/>
-          </a:xfrm>
-        </p:spPr>
-        <p:txBody>
-          <a:bodyPr/>
-          <a:lstStyle/>
-          <a:p>
-            <a:endParaRPr lang="en-US" smtClean="0"/>
-          </a:p>
-        </p:txBody>
-      </p:sp>
-    </p:spTree>
-  </p:cSld>
-  <p:clrMapOvr>
-    <a:masterClrMapping/>
-  </p:clrMapOvr>
-  <p:transition/>
-  <p:timing>
-    <p:tnLst>
-      <p:par>
-        <p:cTn id="1" dur="indefinite" restart="never" nodeType="tmRoot"/>
-      </p:par>
-    </p:tnLst>
-  </p:timing>
-</p:sld>
-</file>
-
-<file path=ppt/slides/slide30.xml><?xml version="1.0" encoding="utf-8"?>
+<file path=ppt/slides/slide29.xml><?xml version="1.0" encoding="utf-8"?>
 <p:sld xmlns:a="http://schemas.openxmlformats.org/drawingml/2006/main" xmlns:r="http://schemas.openxmlformats.org/officeDocument/2006/relationships" xmlns:p="http://schemas.openxmlformats.org/presentationml/2006/main">
   <p:cSld>
     <p:spTree>
@@ -34479,6 +33745,7 @@
           <a:bodyPr/>
           <a:lstStyle/>
           <a:p>
+            <a:pPr eaLnBrk="1" hangingPunct="1"/>
             <a:r>
               <a:rPr lang="en-US" smtClean="0"/>
               <a:t>.NET Dynamic Programming</a:t>
@@ -35523,7 +34790,94 @@
 </p:sld>
 </file>
 
-<file path=ppt/slides/slide31.xml><?xml version="1.0" encoding="utf-8"?>
+<file path=ppt/slides/slide3.xml><?xml version="1.0" encoding="utf-8"?>
+<p:sld xmlns:a="http://schemas.openxmlformats.org/drawingml/2006/main" xmlns:r="http://schemas.openxmlformats.org/officeDocument/2006/relationships" xmlns:p="http://schemas.openxmlformats.org/presentationml/2006/main">
+  <p:cSld>
+    <p:spTree>
+      <p:nvGrpSpPr>
+        <p:cNvPr id="1" name=""/>
+        <p:cNvGrpSpPr/>
+        <p:nvPr/>
+      </p:nvGrpSpPr>
+      <p:grpSpPr>
+        <a:xfrm>
+          <a:off x="0" y="0"/>
+          <a:ext cx="0" cy="0"/>
+          <a:chOff x="0" y="0"/>
+          <a:chExt cx="0" cy="0"/>
+        </a:xfrm>
+      </p:grpSpPr>
+      <p:sp>
+        <p:nvSpPr>
+          <p:cNvPr id="4" name="Title 3"/>
+          <p:cNvSpPr>
+            <a:spLocks noGrp="1"/>
+          </p:cNvSpPr>
+          <p:nvPr>
+            <p:ph type="title"/>
+          </p:nvPr>
+        </p:nvSpPr>
+        <p:spPr/>
+        <p:txBody>
+          <a:bodyPr/>
+          <a:lstStyle/>
+          <a:p>
+            <a:pPr eaLnBrk="1" fontAlgn="auto" hangingPunct="1">
+              <a:spcAft>
+                <a:spcPts val="0"/>
+              </a:spcAft>
+              <a:defRPr/>
+            </a:pPr>
+            <a:r>
+              <a:rPr smtClean="0"/>
+              <a:t>Demo: Dynamic vs. Static</a:t>
+            </a:r>
+            <a:endParaRPr/>
+          </a:p>
+        </p:txBody>
+      </p:sp>
+      <p:sp>
+        <p:nvSpPr>
+          <p:cNvPr id="29698" name="Text Placeholder 4"/>
+          <p:cNvSpPr>
+            <a:spLocks noGrp="1"/>
+          </p:cNvSpPr>
+          <p:nvPr>
+            <p:ph type="body" idx="1"/>
+          </p:nvPr>
+        </p:nvSpPr>
+        <p:spPr>
+          <a:xfrm>
+            <a:off x="530225" y="2705100"/>
+            <a:ext cx="7772400" cy="1509713"/>
+          </a:xfrm>
+        </p:spPr>
+        <p:txBody>
+          <a:bodyPr/>
+          <a:lstStyle/>
+          <a:p>
+            <a:pPr eaLnBrk="1" hangingPunct="1"/>
+            <a:endParaRPr lang="en-US" smtClean="0"/>
+          </a:p>
+        </p:txBody>
+      </p:sp>
+    </p:spTree>
+  </p:cSld>
+  <p:clrMapOvr>
+    <a:masterClrMapping/>
+  </p:clrMapOvr>
+  <p:transition/>
+  <p:timing>
+    <p:tnLst>
+      <p:par>
+        <p:cTn id="1" dur="indefinite" restart="never" nodeType="tmRoot"/>
+      </p:par>
+    </p:tnLst>
+  </p:timing>
+</p:sld>
+</file>
+
+<file path=ppt/slides/slide30.xml><?xml version="1.0" encoding="utf-8"?>
 <p:sld xmlns:a="http://schemas.openxmlformats.org/drawingml/2006/main" xmlns:r="http://schemas.openxmlformats.org/officeDocument/2006/relationships" xmlns:p="http://schemas.openxmlformats.org/presentationml/2006/main">
   <p:cSld>
     <p:spTree>
@@ -35555,6 +34909,7 @@
           <a:bodyPr/>
           <a:lstStyle/>
           <a:p>
+            <a:pPr eaLnBrk="1" hangingPunct="1"/>
             <a:r>
               <a:rPr lang="en-US" smtClean="0"/>
               <a:t>Resources</a:t>
@@ -35584,7 +34939,7 @@
           </a:bodyPr>
           <a:lstStyle/>
           <a:p>
-            <a:pPr marL="274320" indent="-274320" fontAlgn="auto">
+            <a:pPr marL="274320" indent="-274320" eaLnBrk="1" fontAlgn="auto" hangingPunct="1">
               <a:spcAft>
                 <a:spcPts val="0"/>
               </a:spcAft>
@@ -35601,7 +34956,7 @@
             </a:r>
           </a:p>
           <a:p>
-            <a:pPr marL="640080" lvl="1" indent="-246888" fontAlgn="auto">
+            <a:pPr marL="640080" lvl="1" indent="-246888" eaLnBrk="1" fontAlgn="auto" hangingPunct="1">
               <a:spcAft>
                 <a:spcPts val="0"/>
               </a:spcAft>
@@ -35621,7 +34976,7 @@
             </a:r>
           </a:p>
           <a:p>
-            <a:pPr marL="274320" indent="-274320" fontAlgn="auto">
+            <a:pPr marL="274320" indent="-274320" eaLnBrk="1" fontAlgn="auto" hangingPunct="1">
               <a:spcAft>
                 <a:spcPts val="0"/>
               </a:spcAft>
@@ -35651,7 +35006,7 @@
             <a:endParaRPr lang="en-US" sz="2000" dirty="0" smtClean="0"/>
           </a:p>
           <a:p>
-            <a:pPr marL="274320" indent="-274320" fontAlgn="auto">
+            <a:pPr marL="274320" indent="-274320" eaLnBrk="1" fontAlgn="auto" hangingPunct="1">
               <a:spcAft>
                 <a:spcPts val="0"/>
               </a:spcAft>
@@ -35668,7 +35023,7 @@
             </a:r>
           </a:p>
           <a:p>
-            <a:pPr marL="640080" lvl="1" indent="-246888" fontAlgn="auto">
+            <a:pPr marL="640080" lvl="1" indent="-246888" eaLnBrk="1" fontAlgn="auto" hangingPunct="1">
               <a:spcAft>
                 <a:spcPts val="0"/>
               </a:spcAft>
@@ -35685,7 +35040,7 @@
             <a:endParaRPr lang="en-US" sz="2000" dirty="0" smtClean="0"/>
           </a:p>
           <a:p>
-            <a:pPr marL="274320" indent="-274320" fontAlgn="auto">
+            <a:pPr marL="274320" indent="-274320" eaLnBrk="1" fontAlgn="auto" hangingPunct="1">
               <a:spcAft>
                 <a:spcPts val="0"/>
               </a:spcAft>
@@ -35699,7 +35054,7 @@
             <a:endParaRPr lang="en-US" sz="2400" dirty="0" smtClean="0"/>
           </a:p>
           <a:p>
-            <a:pPr marL="274320" indent="-274320" fontAlgn="auto">
+            <a:pPr marL="274320" indent="-274320" eaLnBrk="1" fontAlgn="auto" hangingPunct="1">
               <a:spcAft>
                 <a:spcPts val="0"/>
               </a:spcAft>
@@ -35713,7 +35068,7 @@
             <a:endParaRPr lang="en-US" sz="2400" dirty="0" smtClean="0"/>
           </a:p>
           <a:p>
-            <a:pPr marL="274320" indent="-274320" fontAlgn="auto">
+            <a:pPr marL="274320" indent="-274320" eaLnBrk="1" fontAlgn="auto" hangingPunct="1">
               <a:spcAft>
                 <a:spcPts val="0"/>
               </a:spcAft>
@@ -35730,7 +35085,7 @@
             </a:r>
           </a:p>
           <a:p>
-            <a:pPr marL="640080" lvl="1" indent="-246888" fontAlgn="auto">
+            <a:pPr marL="640080" lvl="1" indent="-246888" eaLnBrk="1" fontAlgn="auto" hangingPunct="1">
               <a:spcAft>
                 <a:spcPts val="0"/>
               </a:spcAft>
@@ -35747,7 +35102,7 @@
             <a:endParaRPr lang="en-US" sz="2000" dirty="0" smtClean="0"/>
           </a:p>
           <a:p>
-            <a:pPr marL="640080" lvl="1" indent="-246888" fontAlgn="auto">
+            <a:pPr marL="640080" lvl="1" indent="-246888" eaLnBrk="1" fontAlgn="auto" hangingPunct="1">
               <a:spcAft>
                 <a:spcPts val="0"/>
               </a:spcAft>
@@ -35761,7 +35116,7 @@
             </a:r>
           </a:p>
           <a:p>
-            <a:pPr marL="640080" lvl="1" indent="-246888" fontAlgn="auto">
+            <a:pPr marL="640080" lvl="1" indent="-246888" eaLnBrk="1" fontAlgn="auto" hangingPunct="1">
               <a:spcAft>
                 <a:spcPts val="0"/>
               </a:spcAft>
@@ -35847,6 +35202,7 @@
           <a:bodyPr/>
           <a:lstStyle/>
           <a:p>
+            <a:pPr eaLnBrk="1" hangingPunct="1"/>
             <a:r>
               <a:rPr lang="en-US" smtClean="0"/>
               <a:t>Dynamic vs. Static</a:t>
@@ -35909,6 +35265,7 @@
           <a:bodyPr/>
           <a:lstStyle/>
           <a:p>
+            <a:pPr eaLnBrk="1" hangingPunct="1"/>
             <a:r>
               <a:rPr lang="en-US" smtClean="0"/>
               <a:t>Diverse Object Models</a:t>
@@ -35938,7 +35295,7 @@
           </a:bodyPr>
           <a:lstStyle/>
           <a:p>
-            <a:pPr marL="274320" indent="-274320" fontAlgn="auto">
+            <a:pPr marL="274320" indent="-274320" eaLnBrk="1" fontAlgn="auto" hangingPunct="1">
               <a:spcBef>
                 <a:spcPts val="0"/>
               </a:spcBef>
@@ -35970,7 +35327,7 @@
             </a:r>
           </a:p>
           <a:p>
-            <a:pPr marL="274320" indent="-274320" fontAlgn="auto">
+            <a:pPr marL="274320" indent="-274320" eaLnBrk="1" fontAlgn="auto" hangingPunct="1">
               <a:spcAft>
                 <a:spcPts val="0"/>
               </a:spcAft>
@@ -36594,24 +35951,30 @@
           <a:bodyPr/>
           <a:lstStyle/>
           <a:p>
+            <a:pPr eaLnBrk="1" hangingPunct="1"/>
             <a:r>
               <a:rPr lang="en-US" smtClean="0"/>
               <a:t>J(ava)Script:</a:t>
             </a:r>
           </a:p>
           <a:p>
+            <a:pPr eaLnBrk="1" hangingPunct="1"/>
             <a:endParaRPr lang="en-US" smtClean="0"/>
           </a:p>
           <a:p>
+            <a:pPr eaLnBrk="1" hangingPunct="1"/>
             <a:endParaRPr lang="en-US" smtClean="0"/>
           </a:p>
           <a:p>
+            <a:pPr eaLnBrk="1" hangingPunct="1"/>
             <a:endParaRPr lang="en-US" smtClean="0"/>
           </a:p>
           <a:p>
+            <a:pPr eaLnBrk="1" hangingPunct="1"/>
             <a:endParaRPr lang="en-US" sz="4000" smtClean="0"/>
           </a:p>
           <a:p>
+            <a:pPr eaLnBrk="1" hangingPunct="1"/>
             <a:r>
               <a:rPr lang="en-US" smtClean="0"/>
               <a:t>C# 3.0 (Silverlight):</a:t>
@@ -36639,7 +36002,7 @@
           <a:bodyPr/>
           <a:lstStyle/>
           <a:p>
-            <a:pPr fontAlgn="auto">
+            <a:pPr eaLnBrk="1" fontAlgn="auto" hangingPunct="1">
               <a:spcAft>
                 <a:spcPts val="0"/>
               </a:spcAft>
@@ -37327,30 +36690,37 @@
           <a:bodyPr/>
           <a:lstStyle/>
           <a:p>
+            <a:pPr eaLnBrk="1" hangingPunct="1"/>
             <a:r>
               <a:rPr lang="en-US" smtClean="0"/>
               <a:t>VBA:</a:t>
             </a:r>
           </a:p>
           <a:p>
+            <a:pPr eaLnBrk="1" hangingPunct="1"/>
             <a:endParaRPr lang="en-US" smtClean="0"/>
           </a:p>
           <a:p>
+            <a:pPr eaLnBrk="1" hangingPunct="1"/>
             <a:endParaRPr lang="en-US" smtClean="0"/>
           </a:p>
           <a:p>
+            <a:pPr eaLnBrk="1" hangingPunct="1"/>
             <a:r>
               <a:rPr lang="en-US" smtClean="0"/>
               <a:t>VB.NET:</a:t>
             </a:r>
           </a:p>
           <a:p>
+            <a:pPr eaLnBrk="1" hangingPunct="1"/>
             <a:endParaRPr lang="en-US" smtClean="0"/>
           </a:p>
           <a:p>
+            <a:pPr eaLnBrk="1" hangingPunct="1"/>
             <a:endParaRPr lang="en-US" smtClean="0"/>
           </a:p>
           <a:p>
+            <a:pPr eaLnBrk="1" hangingPunct="1"/>
             <a:r>
               <a:rPr lang="en-US" smtClean="0"/>
               <a:t>C# 3.0:</a:t>
@@ -37378,7 +36748,7 @@
           <a:bodyPr/>
           <a:lstStyle/>
           <a:p>
-            <a:pPr fontAlgn="auto">
+            <a:pPr eaLnBrk="1" fontAlgn="auto" hangingPunct="1">
               <a:spcAft>
                 <a:spcPts val="0"/>
               </a:spcAft>
@@ -37822,14 +37192,6 @@
               </a:rPr>
               <a:t> missing);</a:t>
             </a:r>
-            <a:endParaRPr lang="en-US" dirty="0">
-              <a:solidFill>
-                <a:srgbClr val="000000"/>
-              </a:solidFill>
-              <a:latin typeface="Consolas" pitchFamily="49" charset="0"/>
-              <a:ea typeface="Calibri"/>
-              <a:cs typeface="Courier New" pitchFamily="49" charset="0"/>
-            </a:endParaRPr>
           </a:p>
         </p:txBody>
       </p:sp>
@@ -38095,27 +37457,33 @@
           <a:bodyPr/>
           <a:lstStyle/>
           <a:p>
+            <a:pPr eaLnBrk="1" hangingPunct="1"/>
             <a:r>
               <a:rPr lang="en-US" smtClean="0"/>
               <a:t>Python:</a:t>
             </a:r>
           </a:p>
           <a:p>
+            <a:pPr eaLnBrk="1" hangingPunct="1"/>
             <a:endParaRPr lang="en-US" smtClean="0"/>
           </a:p>
           <a:p>
+            <a:pPr eaLnBrk="1" hangingPunct="1"/>
             <a:endParaRPr lang="en-US" smtClean="0"/>
           </a:p>
           <a:p>
+            <a:pPr eaLnBrk="1" hangingPunct="1"/>
             <a:endParaRPr lang="en-US" sz="1600" smtClean="0"/>
           </a:p>
           <a:p>
+            <a:pPr eaLnBrk="1" hangingPunct="1"/>
             <a:r>
               <a:rPr lang="en-US" smtClean="0"/>
               <a:t>C# 3.0:</a:t>
             </a:r>
           </a:p>
           <a:p>
+            <a:pPr eaLnBrk="1" hangingPunct="1"/>
             <a:endParaRPr lang="en-US" smtClean="0"/>
           </a:p>
         </p:txBody>
@@ -38140,7 +37508,7 @@
           <a:bodyPr/>
           <a:lstStyle/>
           <a:p>
-            <a:pPr fontAlgn="auto">
+            <a:pPr eaLnBrk="1" fontAlgn="auto" hangingPunct="1">
               <a:spcAft>
                 <a:spcPts val="0"/>
               </a:spcAft>
@@ -38830,7 +38198,6 @@
               <a:rPr lang="en-US" sz="3200" dirty="0"/>
               <a:t>.NET 4.0</a:t>
             </a:r>
-            <a:endParaRPr lang="en-US" sz="3200" dirty="0"/>
           </a:p>
         </p:txBody>
       </p:sp>
@@ -38888,7 +38255,6 @@
               <a:rPr lang="en-US" sz="3200" dirty="0"/>
               <a:t>.NET 3.5</a:t>
             </a:r>
-            <a:endParaRPr lang="en-US" sz="3200" dirty="0"/>
           </a:p>
         </p:txBody>
       </p:sp>
@@ -38943,11 +38309,6 @@
               </a:rPr>
               <a:t>LINQ</a:t>
             </a:r>
-            <a:endParaRPr lang="en-US" sz="3200" dirty="0">
-              <a:solidFill>
-                <a:schemeClr val="tx1"/>
-              </a:solidFill>
-            </a:endParaRPr>
           </a:p>
         </p:txBody>
       </p:sp>
@@ -39005,7 +38366,6 @@
               <a:rPr lang="en-US" sz="3200" dirty="0"/>
               <a:t>.NET 2.0</a:t>
             </a:r>
-            <a:endParaRPr lang="en-US" sz="3200" dirty="0"/>
           </a:p>
         </p:txBody>
       </p:sp>
@@ -39029,6 +38389,7 @@
           <a:bodyPr/>
           <a:lstStyle/>
           <a:p>
+            <a:pPr eaLnBrk="1" hangingPunct="1"/>
             <a:r>
               <a:rPr lang="en-US" smtClean="0"/>
               <a:t>Common Language Runtime</a:t>
@@ -39090,7 +38451,6 @@
               <a:rPr lang="en-US" sz="3200" dirty="0"/>
               <a:t>.NET 1.0</a:t>
             </a:r>
-            <a:endParaRPr lang="en-US" sz="3200" dirty="0"/>
           </a:p>
         </p:txBody>
       </p:sp>
@@ -39589,11 +38949,6 @@
               </a:rPr>
               <a:t>DLR</a:t>
             </a:r>
-            <a:endParaRPr lang="en-US" sz="3200" dirty="0">
-              <a:solidFill>
-                <a:schemeClr val="tx1"/>
-              </a:solidFill>
-            </a:endParaRPr>
           </a:p>
         </p:txBody>
       </p:sp>
